--- a/spring/docs/08-spring-mvc.pptx
+++ b/spring/docs/08-spring-mvc.pptx
@@ -6,12 +6,18 @@
     <p:sldMasterId id="2147483660" r:id="rId2"/>
   </p:sldMasterIdLst>
   <p:notesMasterIdLst>
-    <p:notesMasterId r:id="rId6"/>
+    <p:notesMasterId r:id="rId12"/>
   </p:notesMasterIdLst>
   <p:sldIdLst>
     <p:sldId id="256" r:id="rId3"/>
     <p:sldId id="262" r:id="rId4"/>
-    <p:sldId id="261" r:id="rId5"/>
+    <p:sldId id="264" r:id="rId5"/>
+    <p:sldId id="263" r:id="rId6"/>
+    <p:sldId id="265" r:id="rId7"/>
+    <p:sldId id="266" r:id="rId8"/>
+    <p:sldId id="268" r:id="rId9"/>
+    <p:sldId id="267" r:id="rId10"/>
+    <p:sldId id="261" r:id="rId11"/>
   </p:sldIdLst>
   <p:sldSz cx="9144000" cy="6858000" type="screen4x3"/>
   <p:notesSz cx="6858000" cy="9144000"/>
@@ -195,7 +201,7 @@
           <a:p>
             <a:fld id="{D6CB015B-B7FF-4093-8E19-9AD7339689D2}" type="datetimeFigureOut">
               <a:rPr lang="zh-CN" altLang="en-US" smtClean="0"/>
-              <a:t>2017/12/20</a:t>
+              <a:t>2017/12/21</a:t>
             </a:fld>
             <a:endParaRPr lang="zh-CN" altLang="en-US"/>
           </a:p>
@@ -550,7 +556,7 @@
             <a:fld id="{96901A81-0F01-4EEE-B1B8-8AAFCC661EC4}" type="slidenum">
               <a:rPr lang="zh-CN" altLang="en-US" smtClean="0"/>
               <a:pPr/>
-              <a:t>3</a:t>
+              <a:t>9</a:t>
             </a:fld>
             <a:endParaRPr lang="zh-CN" altLang="en-US"/>
           </a:p>
@@ -2165,7 +2171,7 @@
             <a:fld id="{B35E7478-ADE7-4480-A214-01473DFE0029}" type="datetimeFigureOut">
               <a:rPr lang="zh-CN" altLang="en-US" smtClean="0"/>
               <a:pPr/>
-              <a:t>2017/12/20</a:t>
+              <a:t>2017/12/21</a:t>
             </a:fld>
             <a:endParaRPr lang="zh-CN" altLang="en-US"/>
           </a:p>
@@ -6030,7 +6036,7 @@
             <a:fld id="{B35E7478-ADE7-4480-A214-01473DFE0029}" type="datetimeFigureOut">
               <a:rPr lang="zh-CN" altLang="en-US" smtClean="0"/>
               <a:pPr/>
-              <a:t>2017/12/20</a:t>
+              <a:t>2017/12/21</a:t>
             </a:fld>
             <a:endParaRPr lang="zh-CN" altLang="en-US"/>
           </a:p>
@@ -7698,7 +7704,7 @@
             <a:fld id="{B35E7478-ADE7-4480-A214-01473DFE0029}" type="datetimeFigureOut">
               <a:rPr lang="zh-CN" altLang="en-US" smtClean="0"/>
               <a:pPr/>
-              <a:t>2017/12/20</a:t>
+              <a:t>2017/12/21</a:t>
             </a:fld>
             <a:endParaRPr lang="zh-CN" altLang="en-US"/>
           </a:p>
@@ -12002,7 +12008,7 @@
                 </a:solidFill>
               </a:rPr>
               <a:pPr/>
-              <a:t>2017/12/20</a:t>
+              <a:t>2017/12/21</a:t>
             </a:fld>
             <a:endParaRPr lang="zh-CN" altLang="en-US">
               <a:solidFill>
@@ -15920,7 +15926,7 @@
                 </a:solidFill>
               </a:rPr>
               <a:pPr/>
-              <a:t>2017/12/20</a:t>
+              <a:t>2017/12/21</a:t>
             </a:fld>
             <a:endParaRPr lang="zh-CN" altLang="en-US">
               <a:solidFill>
@@ -21771,7 +21777,7 @@
                 </a:solidFill>
               </a:rPr>
               <a:pPr/>
-              <a:t>2017/12/20</a:t>
+              <a:t>2017/12/21</a:t>
             </a:fld>
             <a:endParaRPr lang="zh-CN" altLang="en-US">
               <a:solidFill>
@@ -22361,7 +22367,7 @@
                 </a:solidFill>
               </a:rPr>
               <a:pPr/>
-              <a:t>2017/12/20</a:t>
+              <a:t>2017/12/21</a:t>
             </a:fld>
             <a:endParaRPr lang="zh-CN" altLang="en-US">
               <a:solidFill>
@@ -26065,7 +26071,7 @@
                 </a:solidFill>
               </a:rPr>
               <a:pPr/>
-              <a:t>2017/12/20</a:t>
+              <a:t>2017/12/21</a:t>
             </a:fld>
             <a:endParaRPr lang="zh-CN" altLang="en-US">
               <a:solidFill>
@@ -26199,7 +26205,7 @@
                 </a:solidFill>
               </a:rPr>
               <a:pPr/>
-              <a:t>2017/12/20</a:t>
+              <a:t>2017/12/21</a:t>
             </a:fld>
             <a:endParaRPr lang="zh-CN" altLang="en-US">
               <a:solidFill>
@@ -27028,7 +27034,7 @@
             <a:fld id="{B35E7478-ADE7-4480-A214-01473DFE0029}" type="datetimeFigureOut">
               <a:rPr lang="zh-CN" altLang="en-US" smtClean="0"/>
               <a:pPr/>
-              <a:t>2017/12/20</a:t>
+              <a:t>2017/12/21</a:t>
             </a:fld>
             <a:endParaRPr lang="zh-CN" altLang="en-US"/>
           </a:p>
@@ -32356,7 +32362,7 @@
             <a:fld id="{B35E7478-ADE7-4480-A214-01473DFE0029}" type="datetimeFigureOut">
               <a:rPr lang="zh-CN" altLang="en-US" smtClean="0"/>
               <a:pPr/>
-              <a:t>2017/12/20</a:t>
+              <a:t>2017/12/21</a:t>
             </a:fld>
             <a:endParaRPr lang="zh-CN" altLang="en-US"/>
           </a:p>
@@ -37710,7 +37716,7 @@
             <a:fld id="{B35E7478-ADE7-4480-A214-01473DFE0029}" type="datetimeFigureOut">
               <a:rPr lang="zh-CN" altLang="en-US" smtClean="0"/>
               <a:pPr/>
-              <a:t>2017/12/20</a:t>
+              <a:t>2017/12/21</a:t>
             </a:fld>
             <a:endParaRPr lang="zh-CN" altLang="en-US"/>
           </a:p>
@@ -37807,7 +37813,7 @@
             <a:fld id="{B35E7478-ADE7-4480-A214-01473DFE0029}" type="datetimeFigureOut">
               <a:rPr lang="zh-CN" altLang="en-US" smtClean="0"/>
               <a:pPr/>
-              <a:t>2017/12/20</a:t>
+              <a:t>2017/12/21</a:t>
             </a:fld>
             <a:endParaRPr lang="zh-CN" altLang="en-US"/>
           </a:p>
@@ -38093,7 +38099,7 @@
             <a:fld id="{B35E7478-ADE7-4480-A214-01473DFE0029}" type="datetimeFigureOut">
               <a:rPr lang="zh-CN" altLang="en-US" smtClean="0"/>
               <a:pPr/>
-              <a:t>2017/12/20</a:t>
+              <a:t>2017/12/21</a:t>
             </a:fld>
             <a:endParaRPr lang="zh-CN" altLang="en-US"/>
           </a:p>
@@ -38348,7 +38354,7 @@
             <a:fld id="{B35E7478-ADE7-4480-A214-01473DFE0029}" type="datetimeFigureOut">
               <a:rPr lang="zh-CN" altLang="en-US" smtClean="0"/>
               <a:pPr/>
-              <a:t>2017/12/20</a:t>
+              <a:t>2017/12/21</a:t>
             </a:fld>
             <a:endParaRPr lang="zh-CN" altLang="en-US"/>
           </a:p>
@@ -38520,7 +38526,7 @@
             <a:fld id="{B35E7478-ADE7-4480-A214-01473DFE0029}" type="datetimeFigureOut">
               <a:rPr lang="zh-CN" altLang="en-US" smtClean="0"/>
               <a:pPr/>
-              <a:t>2017/12/20</a:t>
+              <a:t>2017/12/21</a:t>
             </a:fld>
             <a:endParaRPr lang="zh-CN" altLang="en-US"/>
           </a:p>
@@ -38747,7 +38753,7 @@
             <a:fld id="{B35E7478-ADE7-4480-A214-01473DFE0029}" type="datetimeFigureOut">
               <a:rPr lang="zh-CN" altLang="en-US" smtClean="0"/>
               <a:pPr/>
-              <a:t>2017/12/20</a:t>
+              <a:t>2017/12/21</a:t>
             </a:fld>
             <a:endParaRPr lang="zh-CN" altLang="en-US"/>
           </a:p>
@@ -39283,7 +39289,7 @@
                 </a:solidFill>
               </a:rPr>
               <a:pPr/>
-              <a:t>2017/12/20</a:t>
+              <a:t>2017/12/21</a:t>
             </a:fld>
             <a:endParaRPr lang="zh-CN" altLang="en-US">
               <a:solidFill>
@@ -39789,7 +39795,11 @@
           </a:bodyPr>
           <a:lstStyle/>
           <a:p>
-            <a:endParaRPr lang="zh-CN" altLang="en-US"/>
+            <a:r>
+              <a:rPr lang="en-US" altLang="zh-CN" dirty="0"/>
+              <a:t>Model-View-Control(MVC)</a:t>
+            </a:r>
+            <a:endParaRPr lang="zh-CN" altLang="en-US" dirty="0"/>
           </a:p>
         </p:txBody>
       </p:sp>
@@ -39812,6 +39822,60 @@
           </a:p>
         </p:txBody>
       </p:sp>
+      <p:pic>
+        <p:nvPicPr>
+          <p:cNvPr id="4" name="Picture 2"/>
+          <p:cNvPicPr>
+            <a:picLocks noChangeAspect="1" noChangeArrowheads="1"/>
+          </p:cNvPicPr>
+          <p:nvPr/>
+        </p:nvPicPr>
+        <p:blipFill>
+          <a:blip r:embed="rId2">
+            <a:extLst>
+              <a:ext uri="{28A0092B-C50C-407E-A947-70E740481C1C}">
+                <a14:useLocalDpi xmlns:a14="http://schemas.microsoft.com/office/drawing/2010/main" val="0"/>
+              </a:ext>
+            </a:extLst>
+          </a:blip>
+          <a:srcRect/>
+          <a:stretch>
+            <a:fillRect/>
+          </a:stretch>
+        </p:blipFill>
+        <p:spPr bwMode="auto">
+          <a:xfrm>
+            <a:off x="1259632" y="1479954"/>
+            <a:ext cx="7334250" cy="3752850"/>
+          </a:xfrm>
+          <a:prstGeom prst="rect">
+            <a:avLst/>
+          </a:prstGeom>
+          <a:noFill/>
+          <a:ln>
+            <a:noFill/>
+          </a:ln>
+          <a:extLst>
+            <a:ext uri="{909E8E84-426E-40DD-AFC4-6F175D3DCCD1}">
+              <a14:hiddenFill xmlns:a14="http://schemas.microsoft.com/office/drawing/2010/main">
+                <a:solidFill>
+                  <a:srgbClr val="FFFFFF"/>
+                </a:solidFill>
+              </a14:hiddenFill>
+            </a:ext>
+            <a:ext uri="{91240B29-F687-4F45-9708-019B960494DF}">
+              <a14:hiddenLine xmlns:a14="http://schemas.microsoft.com/office/drawing/2010/main" w="9525" algn="ctr">
+                <a:solidFill>
+                  <a:srgbClr val="000000"/>
+                </a:solidFill>
+                <a:miter lim="800000"/>
+                <a:headEnd/>
+                <a:tailEnd/>
+              </a14:hiddenLine>
+            </a:ext>
+          </a:extLst>
+        </p:spPr>
+      </p:pic>
     </p:spTree>
     <p:extLst>
       <p:ext uri="{BB962C8B-B14F-4D97-AF65-F5344CB8AC3E}">
@@ -39822,10 +39886,1323 @@
   <p:clrMapOvr>
     <a:masterClrMapping/>
   </p:clrMapOvr>
+  <p:timing>
+    <p:tnLst>
+      <p:par>
+        <p:cTn id="1" dur="indefinite" restart="never" nodeType="tmRoot"/>
+      </p:par>
+    </p:tnLst>
+  </p:timing>
 </p:sld>
 </file>
 
 <file path=ppt/slides/slide3.xml><?xml version="1.0" encoding="utf-8"?>
+<p:sld xmlns:a="http://schemas.openxmlformats.org/drawingml/2006/main" xmlns:r="http://schemas.openxmlformats.org/officeDocument/2006/relationships" xmlns:p="http://schemas.openxmlformats.org/presentationml/2006/main">
+  <p:cSld>
+    <p:spTree>
+      <p:nvGrpSpPr>
+        <p:cNvPr id="1" name=""/>
+        <p:cNvGrpSpPr/>
+        <p:nvPr/>
+      </p:nvGrpSpPr>
+      <p:grpSpPr>
+        <a:xfrm>
+          <a:off x="0" y="0"/>
+          <a:ext cx="0" cy="0"/>
+          <a:chOff x="0" y="0"/>
+          <a:chExt cx="0" cy="0"/>
+        </a:xfrm>
+      </p:grpSpPr>
+      <p:sp>
+        <p:nvSpPr>
+          <p:cNvPr id="28674" name="内容占位符 1"/>
+          <p:cNvSpPr>
+            <a:spLocks noGrp="1"/>
+          </p:cNvSpPr>
+          <p:nvPr>
+            <p:ph idx="1"/>
+          </p:nvPr>
+        </p:nvSpPr>
+        <p:spPr>
+          <a:xfrm>
+            <a:off x="428625" y="1143000"/>
+            <a:ext cx="8429625" cy="4525963"/>
+          </a:xfrm>
+        </p:spPr>
+        <p:txBody>
+          <a:bodyPr/>
+          <a:lstStyle/>
+          <a:p>
+            <a:pPr eaLnBrk="1" hangingPunct="1"/>
+            <a:endParaRPr lang="zh-CN" altLang="en-US" sz="2400" dirty="0" smtClean="0"/>
+          </a:p>
+        </p:txBody>
+      </p:sp>
+      <p:sp>
+        <p:nvSpPr>
+          <p:cNvPr id="3" name="标题 2"/>
+          <p:cNvSpPr>
+            <a:spLocks noGrp="1"/>
+          </p:cNvSpPr>
+          <p:nvPr>
+            <p:ph type="title"/>
+          </p:nvPr>
+        </p:nvSpPr>
+        <p:spPr>
+          <a:xfrm>
+            <a:off x="34925" y="188913"/>
+            <a:ext cx="8229600" cy="571500"/>
+          </a:xfrm>
+        </p:spPr>
+        <p:txBody>
+          <a:bodyPr>
+            <a:normAutofit fontScale="90000"/>
+          </a:bodyPr>
+          <a:lstStyle/>
+          <a:p>
+            <a:pPr eaLnBrk="1" hangingPunct="1">
+              <a:defRPr/>
+            </a:pPr>
+            <a:r>
+              <a:rPr lang="en-US" altLang="zh-CN" dirty="0" err="1" smtClean="0"/>
+              <a:t>DispatchServlet</a:t>
+            </a:r>
+            <a:r>
+              <a:rPr lang="en-US" altLang="zh-CN" dirty="0" smtClean="0"/>
+              <a:t> &amp; MVC</a:t>
+            </a:r>
+            <a:endParaRPr lang="zh-CN" altLang="en-US" dirty="0"/>
+          </a:p>
+        </p:txBody>
+      </p:sp>
+      <p:pic>
+        <p:nvPicPr>
+          <p:cNvPr id="28676" name="Picture 6"/>
+          <p:cNvPicPr>
+            <a:picLocks noChangeAspect="1" noChangeArrowheads="1"/>
+          </p:cNvPicPr>
+          <p:nvPr/>
+        </p:nvPicPr>
+        <p:blipFill>
+          <a:blip r:embed="rId2">
+            <a:extLst>
+              <a:ext uri="{28A0092B-C50C-407E-A947-70E740481C1C}">
+                <a14:useLocalDpi xmlns:a14="http://schemas.microsoft.com/office/drawing/2010/main" val="0"/>
+              </a:ext>
+            </a:extLst>
+          </a:blip>
+          <a:srcRect/>
+          <a:stretch>
+            <a:fillRect/>
+          </a:stretch>
+        </p:blipFill>
+        <p:spPr bwMode="auto">
+          <a:xfrm>
+            <a:off x="381000" y="1905000"/>
+            <a:ext cx="8443913" cy="3603625"/>
+          </a:xfrm>
+          <a:prstGeom prst="rect">
+            <a:avLst/>
+          </a:prstGeom>
+          <a:noFill/>
+          <a:ln>
+            <a:noFill/>
+          </a:ln>
+          <a:extLst>
+            <a:ext uri="{909E8E84-426E-40DD-AFC4-6F175D3DCCD1}">
+              <a14:hiddenFill xmlns:a14="http://schemas.microsoft.com/office/drawing/2010/main">
+                <a:solidFill>
+                  <a:srgbClr val="FFFFFF"/>
+                </a:solidFill>
+              </a14:hiddenFill>
+            </a:ext>
+            <a:ext uri="{91240B29-F687-4F45-9708-019B960494DF}">
+              <a14:hiddenLine xmlns:a14="http://schemas.microsoft.com/office/drawing/2010/main" w="9525" algn="ctr">
+                <a:solidFill>
+                  <a:srgbClr val="000000"/>
+                </a:solidFill>
+                <a:miter lim="800000"/>
+                <a:headEnd/>
+                <a:tailEnd/>
+              </a14:hiddenLine>
+            </a:ext>
+          </a:extLst>
+        </p:spPr>
+      </p:pic>
+    </p:spTree>
+    <p:extLst>
+      <p:ext uri="{BB962C8B-B14F-4D97-AF65-F5344CB8AC3E}">
+        <p14:creationId xmlns:p14="http://schemas.microsoft.com/office/powerpoint/2010/main" val="693230868"/>
+      </p:ext>
+    </p:extLst>
+  </p:cSld>
+  <p:clrMapOvr>
+    <a:masterClrMapping/>
+  </p:clrMapOvr>
+  <p:timing>
+    <p:tnLst>
+      <p:par>
+        <p:cTn id="1" dur="indefinite" restart="never" nodeType="tmRoot"/>
+      </p:par>
+    </p:tnLst>
+  </p:timing>
+</p:sld>
+</file>
+
+<file path=ppt/slides/slide4.xml><?xml version="1.0" encoding="utf-8"?>
+<p:sld xmlns:a="http://schemas.openxmlformats.org/drawingml/2006/main" xmlns:r="http://schemas.openxmlformats.org/officeDocument/2006/relationships" xmlns:p="http://schemas.openxmlformats.org/presentationml/2006/main">
+  <p:cSld>
+    <p:spTree>
+      <p:nvGrpSpPr>
+        <p:cNvPr id="1" name=""/>
+        <p:cNvGrpSpPr/>
+        <p:nvPr/>
+      </p:nvGrpSpPr>
+      <p:grpSpPr>
+        <a:xfrm>
+          <a:off x="0" y="0"/>
+          <a:ext cx="0" cy="0"/>
+          <a:chOff x="0" y="0"/>
+          <a:chExt cx="0" cy="0"/>
+        </a:xfrm>
+      </p:grpSpPr>
+      <p:sp>
+        <p:nvSpPr>
+          <p:cNvPr id="27650" name="内容占位符 1"/>
+          <p:cNvSpPr>
+            <a:spLocks noGrp="1"/>
+          </p:cNvSpPr>
+          <p:nvPr>
+            <p:ph idx="1"/>
+          </p:nvPr>
+        </p:nvSpPr>
+        <p:spPr>
+          <a:xfrm>
+            <a:off x="428625" y="1143000"/>
+            <a:ext cx="8429625" cy="4525963"/>
+          </a:xfrm>
+        </p:spPr>
+        <p:txBody>
+          <a:bodyPr/>
+          <a:lstStyle/>
+          <a:p>
+            <a:pPr eaLnBrk="1" hangingPunct="1"/>
+            <a:r>
+              <a:rPr lang="en-US" altLang="zh-CN" sz="2400" smtClean="0"/>
+              <a:t>Request</a:t>
+            </a:r>
+            <a:r>
+              <a:rPr lang="zh-CN" altLang="en-US" sz="2400" smtClean="0"/>
+              <a:t>到</a:t>
+            </a:r>
+            <a:r>
+              <a:rPr lang="en-US" altLang="zh-CN" sz="2400" smtClean="0"/>
+              <a:t>Controller</a:t>
+            </a:r>
+            <a:r>
+              <a:rPr lang="zh-CN" altLang="en-US" sz="2400" smtClean="0"/>
+              <a:t>的映射</a:t>
+            </a:r>
+            <a:r>
+              <a:rPr lang="en-US" altLang="zh-CN" sz="2400" smtClean="0"/>
+              <a:t>(RequestResolver)</a:t>
+            </a:r>
+          </a:p>
+          <a:p>
+            <a:pPr eaLnBrk="1" hangingPunct="1"/>
+            <a:r>
+              <a:rPr lang="zh-CN" altLang="en-US" sz="2400" smtClean="0"/>
+              <a:t>处理结果到</a:t>
+            </a:r>
+            <a:r>
+              <a:rPr lang="en-US" altLang="zh-CN" sz="2400" smtClean="0"/>
+              <a:t>View</a:t>
+            </a:r>
+            <a:r>
+              <a:rPr lang="zh-CN" altLang="en-US" sz="2400" smtClean="0"/>
+              <a:t>的映射</a:t>
+            </a:r>
+            <a:r>
+              <a:rPr lang="en-US" altLang="zh-CN" sz="2400" smtClean="0"/>
+              <a:t>(ViewResolver)</a:t>
+            </a:r>
+            <a:endParaRPr lang="zh-CN" altLang="en-US" sz="2400" smtClean="0"/>
+          </a:p>
+        </p:txBody>
+      </p:sp>
+      <p:sp>
+        <p:nvSpPr>
+          <p:cNvPr id="3" name="标题 2"/>
+          <p:cNvSpPr>
+            <a:spLocks noGrp="1"/>
+          </p:cNvSpPr>
+          <p:nvPr>
+            <p:ph type="title"/>
+          </p:nvPr>
+        </p:nvSpPr>
+        <p:spPr>
+          <a:xfrm>
+            <a:off x="34925" y="188913"/>
+            <a:ext cx="8229600" cy="571500"/>
+          </a:xfrm>
+        </p:spPr>
+        <p:txBody>
+          <a:bodyPr>
+            <a:normAutofit fontScale="90000"/>
+          </a:bodyPr>
+          <a:lstStyle/>
+          <a:p>
+            <a:pPr eaLnBrk="1" hangingPunct="1">
+              <a:defRPr/>
+            </a:pPr>
+            <a:r>
+              <a:rPr lang="en-US" altLang="zh-CN" dirty="0" smtClean="0"/>
+              <a:t>Spring </a:t>
+            </a:r>
+            <a:r>
+              <a:rPr lang="en-US" altLang="zh-CN" dirty="0" err="1" smtClean="0"/>
+              <a:t>DispatchServlet</a:t>
+            </a:r>
+            <a:endParaRPr lang="zh-CN" altLang="en-US" dirty="0"/>
+          </a:p>
+        </p:txBody>
+      </p:sp>
+      <p:pic>
+        <p:nvPicPr>
+          <p:cNvPr id="27652" name="Picture 2"/>
+          <p:cNvPicPr>
+            <a:picLocks noChangeAspect="1" noChangeArrowheads="1"/>
+          </p:cNvPicPr>
+          <p:nvPr/>
+        </p:nvPicPr>
+        <p:blipFill>
+          <a:blip r:embed="rId2">
+            <a:extLst>
+              <a:ext uri="{28A0092B-C50C-407E-A947-70E740481C1C}">
+                <a14:useLocalDpi xmlns:a14="http://schemas.microsoft.com/office/drawing/2010/main" val="0"/>
+              </a:ext>
+            </a:extLst>
+          </a:blip>
+          <a:srcRect/>
+          <a:stretch>
+            <a:fillRect/>
+          </a:stretch>
+        </p:blipFill>
+        <p:spPr bwMode="auto">
+          <a:xfrm>
+            <a:off x="990600" y="2133600"/>
+            <a:ext cx="6629400" cy="3978275"/>
+          </a:xfrm>
+          <a:prstGeom prst="rect">
+            <a:avLst/>
+          </a:prstGeom>
+          <a:noFill/>
+          <a:ln>
+            <a:noFill/>
+          </a:ln>
+          <a:extLst>
+            <a:ext uri="{909E8E84-426E-40DD-AFC4-6F175D3DCCD1}">
+              <a14:hiddenFill xmlns:a14="http://schemas.microsoft.com/office/drawing/2010/main">
+                <a:solidFill>
+                  <a:srgbClr val="FFFFFF"/>
+                </a:solidFill>
+              </a14:hiddenFill>
+            </a:ext>
+            <a:ext uri="{91240B29-F687-4F45-9708-019B960494DF}">
+              <a14:hiddenLine xmlns:a14="http://schemas.microsoft.com/office/drawing/2010/main" w="9525" algn="ctr">
+                <a:solidFill>
+                  <a:srgbClr val="000000"/>
+                </a:solidFill>
+                <a:miter lim="800000"/>
+                <a:headEnd/>
+                <a:tailEnd/>
+              </a14:hiddenLine>
+            </a:ext>
+          </a:extLst>
+        </p:spPr>
+      </p:pic>
+    </p:spTree>
+    <p:extLst>
+      <p:ext uri="{BB962C8B-B14F-4D97-AF65-F5344CB8AC3E}">
+        <p14:creationId xmlns:p14="http://schemas.microsoft.com/office/powerpoint/2010/main" val="1321677925"/>
+      </p:ext>
+    </p:extLst>
+  </p:cSld>
+  <p:clrMapOvr>
+    <a:masterClrMapping/>
+  </p:clrMapOvr>
+  <p:timing>
+    <p:tnLst>
+      <p:par>
+        <p:cTn id="1" dur="indefinite" restart="never" nodeType="tmRoot"/>
+      </p:par>
+    </p:tnLst>
+  </p:timing>
+</p:sld>
+</file>
+
+<file path=ppt/slides/slide5.xml><?xml version="1.0" encoding="utf-8"?>
+<p:sld xmlns:a="http://schemas.openxmlformats.org/drawingml/2006/main" xmlns:r="http://schemas.openxmlformats.org/officeDocument/2006/relationships" xmlns:p="http://schemas.openxmlformats.org/presentationml/2006/main">
+  <p:cSld>
+    <p:spTree>
+      <p:nvGrpSpPr>
+        <p:cNvPr id="1" name=""/>
+        <p:cNvGrpSpPr/>
+        <p:nvPr/>
+      </p:nvGrpSpPr>
+      <p:grpSpPr>
+        <a:xfrm>
+          <a:off x="0" y="0"/>
+          <a:ext cx="0" cy="0"/>
+          <a:chOff x="0" y="0"/>
+          <a:chExt cx="0" cy="0"/>
+        </a:xfrm>
+      </p:grpSpPr>
+      <p:sp>
+        <p:nvSpPr>
+          <p:cNvPr id="2" name="标题 1"/>
+          <p:cNvSpPr>
+            <a:spLocks noGrp="1"/>
+          </p:cNvSpPr>
+          <p:nvPr>
+            <p:ph type="title"/>
+          </p:nvPr>
+        </p:nvSpPr>
+        <p:spPr/>
+        <p:txBody>
+          <a:bodyPr>
+            <a:normAutofit fontScale="90000"/>
+          </a:bodyPr>
+          <a:lstStyle/>
+          <a:p>
+            <a:r>
+              <a:rPr lang="en-US" altLang="zh-CN" dirty="0" smtClean="0"/>
+              <a:t>Spring</a:t>
+            </a:r>
+            <a:r>
+              <a:rPr lang="zh-CN" altLang="en-US" dirty="0" smtClean="0"/>
+              <a:t>容器</a:t>
+            </a:r>
+            <a:r>
+              <a:rPr lang="zh-CN" altLang="en-US" dirty="0"/>
+              <a:t>配置描述</a:t>
+            </a:r>
+            <a:endParaRPr lang="zh-CN" altLang="en-US" dirty="0"/>
+          </a:p>
+        </p:txBody>
+      </p:sp>
+      <p:sp>
+        <p:nvSpPr>
+          <p:cNvPr id="3" name="内容占位符 2"/>
+          <p:cNvSpPr>
+            <a:spLocks noGrp="1"/>
+          </p:cNvSpPr>
+          <p:nvPr>
+            <p:ph idx="1"/>
+          </p:nvPr>
+        </p:nvSpPr>
+        <p:spPr/>
+        <p:txBody>
+          <a:bodyPr>
+            <a:normAutofit/>
+          </a:bodyPr>
+          <a:lstStyle/>
+          <a:p>
+            <a:r>
+              <a:rPr lang="en-US" altLang="zh-CN" dirty="0" smtClean="0"/>
+              <a:t>/</a:t>
+            </a:r>
+            <a:r>
+              <a:rPr lang="en-US" altLang="zh-CN" dirty="0"/>
+              <a:t>WEB-INF/</a:t>
+            </a:r>
+            <a:r>
+              <a:rPr lang="en-US" altLang="zh-CN" dirty="0" err="1"/>
+              <a:t>config</a:t>
+            </a:r>
+            <a:r>
+              <a:rPr lang="en-US" altLang="zh-CN" dirty="0"/>
+              <a:t>/springmvc-config.xml</a:t>
+            </a:r>
+          </a:p>
+          <a:p>
+            <a:r>
+              <a:rPr lang="en-US" altLang="zh-CN" dirty="0" smtClean="0"/>
+              <a:t>Web.xml</a:t>
+            </a:r>
+          </a:p>
+          <a:p>
+            <a:r>
+              <a:rPr lang="en-US" altLang="zh-CN" dirty="0" smtClean="0"/>
+              <a:t>JSP</a:t>
+            </a:r>
+            <a:r>
+              <a:rPr lang="zh-CN" altLang="en-US" dirty="0" smtClean="0"/>
+              <a:t>页面：</a:t>
+            </a:r>
+            <a:r>
+              <a:rPr lang="en-US" altLang="zh-CN" dirty="0" smtClean="0"/>
+              <a:t>WEB-INF/</a:t>
+            </a:r>
+            <a:r>
+              <a:rPr lang="en-US" altLang="zh-CN" dirty="0" err="1" smtClean="0"/>
+              <a:t>jsp</a:t>
+            </a:r>
+            <a:endParaRPr lang="en-US" altLang="zh-CN" dirty="0" smtClean="0"/>
+          </a:p>
+          <a:p>
+            <a:endParaRPr lang="zh-CN" altLang="en-US" dirty="0"/>
+          </a:p>
+        </p:txBody>
+      </p:sp>
+    </p:spTree>
+    <p:extLst>
+      <p:ext uri="{BB962C8B-B14F-4D97-AF65-F5344CB8AC3E}">
+        <p14:creationId xmlns:p14="http://schemas.microsoft.com/office/powerpoint/2010/main" val="1455036652"/>
+      </p:ext>
+    </p:extLst>
+  </p:cSld>
+  <p:clrMapOvr>
+    <a:masterClrMapping/>
+  </p:clrMapOvr>
+  <p:timing>
+    <p:tnLst>
+      <p:par>
+        <p:cTn id="1" dur="indefinite" restart="never" nodeType="tmRoot"/>
+      </p:par>
+    </p:tnLst>
+  </p:timing>
+</p:sld>
+</file>
+
+<file path=ppt/slides/slide6.xml><?xml version="1.0" encoding="utf-8"?>
+<p:sld xmlns:a="http://schemas.openxmlformats.org/drawingml/2006/main" xmlns:r="http://schemas.openxmlformats.org/officeDocument/2006/relationships" xmlns:p="http://schemas.openxmlformats.org/presentationml/2006/main">
+  <p:cSld>
+    <p:spTree>
+      <p:nvGrpSpPr>
+        <p:cNvPr id="1" name=""/>
+        <p:cNvGrpSpPr/>
+        <p:nvPr/>
+      </p:nvGrpSpPr>
+      <p:grpSpPr>
+        <a:xfrm>
+          <a:off x="0" y="0"/>
+          <a:ext cx="0" cy="0"/>
+          <a:chOff x="0" y="0"/>
+          <a:chExt cx="0" cy="0"/>
+        </a:xfrm>
+      </p:grpSpPr>
+      <p:sp>
+        <p:nvSpPr>
+          <p:cNvPr id="2" name="标题 1"/>
+          <p:cNvSpPr>
+            <a:spLocks noGrp="1"/>
+          </p:cNvSpPr>
+          <p:nvPr>
+            <p:ph type="title"/>
+          </p:nvPr>
+        </p:nvSpPr>
+        <p:spPr/>
+        <p:txBody>
+          <a:bodyPr>
+            <a:normAutofit fontScale="90000"/>
+          </a:bodyPr>
+          <a:lstStyle/>
+          <a:p>
+            <a:r>
+              <a:rPr lang="zh-CN" altLang="en-US" dirty="0" smtClean="0"/>
+              <a:t>容器的启动</a:t>
+            </a:r>
+            <a:endParaRPr lang="zh-CN" altLang="en-US" dirty="0"/>
+          </a:p>
+        </p:txBody>
+      </p:sp>
+      <p:sp>
+        <p:nvSpPr>
+          <p:cNvPr id="3" name="内容占位符 2"/>
+          <p:cNvSpPr>
+            <a:spLocks noGrp="1"/>
+          </p:cNvSpPr>
+          <p:nvPr>
+            <p:ph idx="1"/>
+          </p:nvPr>
+        </p:nvSpPr>
+        <p:spPr/>
+        <p:txBody>
+          <a:bodyPr>
+            <a:normAutofit fontScale="47500" lnSpcReduction="20000"/>
+          </a:bodyPr>
+          <a:lstStyle/>
+          <a:p>
+            <a:pPr marL="0" indent="0">
+              <a:buNone/>
+            </a:pPr>
+            <a:r>
+              <a:rPr lang="en-US" altLang="zh-CN" dirty="0"/>
+              <a:t>&lt;servlet&gt;</a:t>
+            </a:r>
+          </a:p>
+          <a:p>
+            <a:pPr marL="0" indent="0">
+              <a:buNone/>
+            </a:pPr>
+            <a:r>
+              <a:rPr lang="en-US" altLang="zh-CN" dirty="0"/>
+              <a:t>   &lt;servlet-name&gt;</a:t>
+            </a:r>
+            <a:r>
+              <a:rPr lang="en-US" altLang="zh-CN" dirty="0" err="1"/>
+              <a:t>springmvc</a:t>
+            </a:r>
+            <a:r>
+              <a:rPr lang="en-US" altLang="zh-CN" dirty="0"/>
+              <a:t>&lt;/servlet-name&gt;</a:t>
+            </a:r>
+          </a:p>
+          <a:p>
+            <a:pPr marL="0" indent="0">
+              <a:buNone/>
+            </a:pPr>
+            <a:r>
+              <a:rPr lang="en-US" altLang="zh-CN" dirty="0"/>
+              <a:t>   &lt;servlet-class&gt;</a:t>
+            </a:r>
+          </a:p>
+          <a:p>
+            <a:pPr marL="0" indent="0">
+              <a:buNone/>
+            </a:pPr>
+            <a:r>
+              <a:rPr lang="en-US" altLang="zh-CN" dirty="0"/>
+              <a:t>      </a:t>
+            </a:r>
+            <a:r>
+              <a:rPr lang="en-US" altLang="zh-CN" dirty="0" err="1"/>
+              <a:t>org.springframework.web.servlet.</a:t>
+            </a:r>
+            <a:r>
+              <a:rPr lang="en-US" altLang="zh-CN" dirty="0" err="1">
+                <a:solidFill>
+                  <a:srgbClr val="FF0000"/>
+                </a:solidFill>
+              </a:rPr>
+              <a:t>DispatcherServlet</a:t>
+            </a:r>
+            <a:endParaRPr lang="en-US" altLang="zh-CN" dirty="0">
+              <a:solidFill>
+                <a:srgbClr val="FF0000"/>
+              </a:solidFill>
+            </a:endParaRPr>
+          </a:p>
+          <a:p>
+            <a:pPr marL="0" indent="0">
+              <a:buNone/>
+            </a:pPr>
+            <a:r>
+              <a:rPr lang="en-US" altLang="zh-CN" dirty="0"/>
+              <a:t>   &lt;/servlet-class&gt;</a:t>
+            </a:r>
+          </a:p>
+          <a:p>
+            <a:pPr marL="0" indent="0">
+              <a:buNone/>
+            </a:pPr>
+            <a:r>
+              <a:rPr lang="en-US" altLang="zh-CN" dirty="0"/>
+              <a:t>   &lt;</a:t>
+            </a:r>
+            <a:r>
+              <a:rPr lang="en-US" altLang="zh-CN" dirty="0" err="1"/>
+              <a:t>init-param</a:t>
+            </a:r>
+            <a:r>
+              <a:rPr lang="en-US" altLang="zh-CN" dirty="0"/>
+              <a:t>&gt;</a:t>
+            </a:r>
+          </a:p>
+          <a:p>
+            <a:pPr marL="0" indent="0">
+              <a:buNone/>
+            </a:pPr>
+            <a:r>
+              <a:rPr lang="en-US" altLang="zh-CN" dirty="0"/>
+              <a:t>     &lt;</a:t>
+            </a:r>
+            <a:r>
+              <a:rPr lang="en-US" altLang="zh-CN" dirty="0" err="1"/>
+              <a:t>param</a:t>
+            </a:r>
+            <a:r>
+              <a:rPr lang="en-US" altLang="zh-CN" dirty="0"/>
+              <a:t>-name&gt;</a:t>
+            </a:r>
+            <a:r>
+              <a:rPr lang="en-US" altLang="zh-CN" dirty="0" err="1"/>
+              <a:t>contextConfigLocation</a:t>
+            </a:r>
+            <a:r>
+              <a:rPr lang="en-US" altLang="zh-CN" dirty="0"/>
+              <a:t>&lt;/</a:t>
+            </a:r>
+            <a:r>
+              <a:rPr lang="en-US" altLang="zh-CN" dirty="0" err="1"/>
+              <a:t>param</a:t>
+            </a:r>
+            <a:r>
+              <a:rPr lang="en-US" altLang="zh-CN" dirty="0"/>
+              <a:t>-name&gt;</a:t>
+            </a:r>
+          </a:p>
+          <a:p>
+            <a:pPr marL="0" indent="0">
+              <a:buNone/>
+            </a:pPr>
+            <a:r>
+              <a:rPr lang="en-US" altLang="zh-CN" dirty="0"/>
+              <a:t>     &lt;</a:t>
+            </a:r>
+            <a:r>
+              <a:rPr lang="en-US" altLang="zh-CN" dirty="0" err="1"/>
+              <a:t>param</a:t>
+            </a:r>
+            <a:r>
+              <a:rPr lang="en-US" altLang="zh-CN" dirty="0"/>
+              <a:t>-value&gt;/WEB-INF/</a:t>
+            </a:r>
+            <a:r>
+              <a:rPr lang="en-US" altLang="zh-CN" dirty="0" err="1"/>
+              <a:t>config</a:t>
+            </a:r>
+            <a:r>
+              <a:rPr lang="en-US" altLang="zh-CN" dirty="0"/>
+              <a:t>/</a:t>
+            </a:r>
+            <a:r>
+              <a:rPr lang="en-US" altLang="zh-CN" dirty="0">
+                <a:solidFill>
+                  <a:srgbClr val="FF0000"/>
+                </a:solidFill>
+              </a:rPr>
+              <a:t>springmvc-config.xml</a:t>
+            </a:r>
+            <a:r>
+              <a:rPr lang="en-US" altLang="zh-CN" dirty="0"/>
+              <a:t>&lt;/</a:t>
+            </a:r>
+            <a:r>
+              <a:rPr lang="en-US" altLang="zh-CN" dirty="0" err="1"/>
+              <a:t>param</a:t>
+            </a:r>
+            <a:r>
+              <a:rPr lang="en-US" altLang="zh-CN" dirty="0"/>
+              <a:t>-value&gt;</a:t>
+            </a:r>
+          </a:p>
+          <a:p>
+            <a:pPr marL="0" indent="0">
+              <a:buNone/>
+            </a:pPr>
+            <a:r>
+              <a:rPr lang="en-US" altLang="zh-CN" dirty="0"/>
+              <a:t>   &lt;/</a:t>
+            </a:r>
+            <a:r>
+              <a:rPr lang="en-US" altLang="zh-CN" dirty="0" err="1"/>
+              <a:t>init-param</a:t>
+            </a:r>
+            <a:r>
+              <a:rPr lang="en-US" altLang="zh-CN" dirty="0"/>
+              <a:t>&gt;</a:t>
+            </a:r>
+          </a:p>
+          <a:p>
+            <a:pPr marL="0" indent="0">
+              <a:buNone/>
+            </a:pPr>
+            <a:r>
+              <a:rPr lang="en-US" altLang="zh-CN" dirty="0"/>
+              <a:t>   &lt;load-on-startup&gt;1&lt;/load-on-startup&gt;    </a:t>
+            </a:r>
+          </a:p>
+          <a:p>
+            <a:pPr marL="0" indent="0">
+              <a:buNone/>
+            </a:pPr>
+            <a:r>
+              <a:rPr lang="en-US" altLang="zh-CN" dirty="0"/>
+              <a:t>&lt;/servlet&gt;</a:t>
+            </a:r>
+          </a:p>
+          <a:p>
+            <a:pPr marL="0" indent="0">
+              <a:buNone/>
+            </a:pPr>
+            <a:endParaRPr lang="en-US" altLang="zh-CN" dirty="0"/>
+          </a:p>
+          <a:p>
+            <a:pPr marL="0" indent="0">
+              <a:buNone/>
+            </a:pPr>
+            <a:r>
+              <a:rPr lang="en-US" altLang="zh-CN" dirty="0"/>
+              <a:t>&lt;servlet-mapping&gt;</a:t>
+            </a:r>
+          </a:p>
+          <a:p>
+            <a:pPr marL="0" indent="0">
+              <a:buNone/>
+            </a:pPr>
+            <a:r>
+              <a:rPr lang="en-US" altLang="zh-CN" dirty="0"/>
+              <a:t>    &lt;servlet-name&gt;</a:t>
+            </a:r>
+            <a:r>
+              <a:rPr lang="en-US" altLang="zh-CN" dirty="0" err="1"/>
+              <a:t>springmvc</a:t>
+            </a:r>
+            <a:r>
+              <a:rPr lang="en-US" altLang="zh-CN" dirty="0"/>
+              <a:t>&lt;/servlet-name&gt;</a:t>
+            </a:r>
+          </a:p>
+          <a:p>
+            <a:pPr marL="0" indent="0">
+              <a:buNone/>
+            </a:pPr>
+            <a:r>
+              <a:rPr lang="en-US" altLang="zh-CN" dirty="0"/>
+              <a:t>    &lt;</a:t>
+            </a:r>
+            <a:r>
+              <a:rPr lang="en-US" altLang="zh-CN" dirty="0" err="1"/>
+              <a:t>url</a:t>
+            </a:r>
+            <a:r>
+              <a:rPr lang="en-US" altLang="zh-CN" dirty="0"/>
+              <a:t>-pattern&gt;/&lt;/</a:t>
+            </a:r>
+            <a:r>
+              <a:rPr lang="en-US" altLang="zh-CN" dirty="0" err="1"/>
+              <a:t>url</a:t>
+            </a:r>
+            <a:r>
+              <a:rPr lang="en-US" altLang="zh-CN" dirty="0"/>
+              <a:t>-pattern&gt;</a:t>
+            </a:r>
+          </a:p>
+          <a:p>
+            <a:pPr marL="0" indent="0">
+              <a:buNone/>
+            </a:pPr>
+            <a:r>
+              <a:rPr lang="en-US" altLang="zh-CN" dirty="0"/>
+              <a:t>&lt;/servlet-mapping&gt;</a:t>
+            </a:r>
+            <a:endParaRPr lang="zh-CN" altLang="en-US" dirty="0"/>
+          </a:p>
+        </p:txBody>
+      </p:sp>
+    </p:spTree>
+    <p:extLst>
+      <p:ext uri="{BB962C8B-B14F-4D97-AF65-F5344CB8AC3E}">
+        <p14:creationId xmlns:p14="http://schemas.microsoft.com/office/powerpoint/2010/main" val="2309592540"/>
+      </p:ext>
+    </p:extLst>
+  </p:cSld>
+  <p:clrMapOvr>
+    <a:masterClrMapping/>
+  </p:clrMapOvr>
+  <p:timing>
+    <p:tnLst>
+      <p:par>
+        <p:cTn id="1" dur="indefinite" restart="never" nodeType="tmRoot"/>
+      </p:par>
+    </p:tnLst>
+  </p:timing>
+</p:sld>
+</file>
+
+<file path=ppt/slides/slide7.xml><?xml version="1.0" encoding="utf-8"?>
+<p:sld xmlns:a="http://schemas.openxmlformats.org/drawingml/2006/main" xmlns:r="http://schemas.openxmlformats.org/officeDocument/2006/relationships" xmlns:p="http://schemas.openxmlformats.org/presentationml/2006/main">
+  <p:cSld>
+    <p:spTree>
+      <p:nvGrpSpPr>
+        <p:cNvPr id="1" name=""/>
+        <p:cNvGrpSpPr/>
+        <p:nvPr/>
+      </p:nvGrpSpPr>
+      <p:grpSpPr>
+        <a:xfrm>
+          <a:off x="0" y="0"/>
+          <a:ext cx="0" cy="0"/>
+          <a:chOff x="0" y="0"/>
+          <a:chExt cx="0" cy="0"/>
+        </a:xfrm>
+      </p:grpSpPr>
+      <p:sp>
+        <p:nvSpPr>
+          <p:cNvPr id="2" name="标题 1"/>
+          <p:cNvSpPr>
+            <a:spLocks noGrp="1"/>
+          </p:cNvSpPr>
+          <p:nvPr>
+            <p:ph type="title"/>
+          </p:nvPr>
+        </p:nvSpPr>
+        <p:spPr/>
+        <p:txBody>
+          <a:bodyPr>
+            <a:normAutofit fontScale="90000"/>
+          </a:bodyPr>
+          <a:lstStyle/>
+          <a:p>
+            <a:r>
+              <a:rPr lang="en-US" altLang="zh-CN" dirty="0"/>
+              <a:t>springmvc-config.xml</a:t>
+            </a:r>
+            <a:endParaRPr lang="zh-CN" altLang="en-US" dirty="0"/>
+          </a:p>
+        </p:txBody>
+      </p:sp>
+      <p:sp>
+        <p:nvSpPr>
+          <p:cNvPr id="3" name="内容占位符 2"/>
+          <p:cNvSpPr>
+            <a:spLocks noGrp="1"/>
+          </p:cNvSpPr>
+          <p:nvPr>
+            <p:ph idx="1"/>
+          </p:nvPr>
+        </p:nvSpPr>
+        <p:spPr/>
+        <p:txBody>
+          <a:bodyPr>
+            <a:normAutofit fontScale="70000" lnSpcReduction="20000"/>
+          </a:bodyPr>
+          <a:lstStyle/>
+          <a:p>
+            <a:pPr marL="0" indent="0">
+              <a:buNone/>
+            </a:pPr>
+            <a:r>
+              <a:rPr lang="en-US" altLang="zh-CN" dirty="0"/>
+              <a:t>&lt;</a:t>
+            </a:r>
+            <a:r>
+              <a:rPr lang="en-US" altLang="zh-CN" dirty="0" err="1"/>
+              <a:t>context:</a:t>
+            </a:r>
+            <a:r>
+              <a:rPr lang="en-US" altLang="zh-CN" dirty="0" err="1">
+                <a:solidFill>
+                  <a:srgbClr val="FF0000"/>
+                </a:solidFill>
+              </a:rPr>
+              <a:t>component-scan</a:t>
+            </a:r>
+            <a:r>
+              <a:rPr lang="en-US" altLang="zh-CN" dirty="0"/>
+              <a:t> base-package="controller"/&gt;</a:t>
+            </a:r>
+          </a:p>
+          <a:p>
+            <a:pPr marL="0" indent="0">
+              <a:buNone/>
+            </a:pPr>
+            <a:r>
+              <a:rPr lang="en-US" altLang="zh-CN" dirty="0"/>
+              <a:t>&lt;</a:t>
+            </a:r>
+            <a:r>
+              <a:rPr lang="en-US" altLang="zh-CN" dirty="0" err="1"/>
+              <a:t>context:component-scan</a:t>
+            </a:r>
+            <a:r>
+              <a:rPr lang="en-US" altLang="zh-CN" dirty="0"/>
+              <a:t> base-package="service"/&gt;    </a:t>
+            </a:r>
+          </a:p>
+          <a:p>
+            <a:pPr marL="0" indent="0">
+              <a:buNone/>
+            </a:pPr>
+            <a:r>
+              <a:rPr lang="en-US" altLang="zh-CN" dirty="0"/>
+              <a:t>&lt;</a:t>
+            </a:r>
+            <a:r>
+              <a:rPr lang="en-US" altLang="zh-CN" dirty="0" err="1"/>
+              <a:t>mvc</a:t>
+            </a:r>
+            <a:r>
+              <a:rPr lang="en-US" altLang="zh-CN" dirty="0" err="1">
+                <a:solidFill>
+                  <a:srgbClr val="FF0000"/>
+                </a:solidFill>
+              </a:rPr>
+              <a:t>:annotation-driven</a:t>
+            </a:r>
+            <a:r>
+              <a:rPr lang="en-US" altLang="zh-CN" dirty="0"/>
+              <a:t>/&gt;</a:t>
+            </a:r>
+          </a:p>
+          <a:p>
+            <a:pPr marL="0" indent="0">
+              <a:buNone/>
+            </a:pPr>
+            <a:r>
+              <a:rPr lang="en-US" altLang="zh-CN" dirty="0"/>
+              <a:t>&lt;</a:t>
+            </a:r>
+            <a:r>
+              <a:rPr lang="en-US" altLang="zh-CN" dirty="0" err="1"/>
+              <a:t>mvc:resources</a:t>
+            </a:r>
+            <a:r>
+              <a:rPr lang="en-US" altLang="zh-CN" dirty="0"/>
+              <a:t> </a:t>
+            </a:r>
+            <a:r>
+              <a:rPr lang="en-US" altLang="zh-CN" dirty="0">
+                <a:solidFill>
+                  <a:srgbClr val="FF0000"/>
+                </a:solidFill>
+              </a:rPr>
+              <a:t>mapping</a:t>
+            </a:r>
+            <a:r>
+              <a:rPr lang="en-US" altLang="zh-CN" dirty="0"/>
+              <a:t>="/</a:t>
+            </a:r>
+            <a:r>
+              <a:rPr lang="en-US" altLang="zh-CN" dirty="0" err="1"/>
+              <a:t>css</a:t>
+            </a:r>
+            <a:r>
+              <a:rPr lang="en-US" altLang="zh-CN" dirty="0"/>
+              <a:t>/**" location="/</a:t>
+            </a:r>
+            <a:r>
+              <a:rPr lang="en-US" altLang="zh-CN" dirty="0" err="1"/>
+              <a:t>css</a:t>
+            </a:r>
+            <a:r>
+              <a:rPr lang="en-US" altLang="zh-CN" dirty="0"/>
+              <a:t>/"/&gt;</a:t>
+            </a:r>
+          </a:p>
+          <a:p>
+            <a:pPr marL="0" indent="0">
+              <a:buNone/>
+            </a:pPr>
+            <a:r>
+              <a:rPr lang="en-US" altLang="zh-CN" dirty="0"/>
+              <a:t>&lt;</a:t>
+            </a:r>
+            <a:r>
+              <a:rPr lang="en-US" altLang="zh-CN" dirty="0" err="1"/>
+              <a:t>mvc:resources</a:t>
+            </a:r>
+            <a:r>
+              <a:rPr lang="en-US" altLang="zh-CN" dirty="0"/>
+              <a:t> </a:t>
+            </a:r>
+            <a:r>
+              <a:rPr lang="en-US" altLang="zh-CN" dirty="0">
+                <a:solidFill>
+                  <a:srgbClr val="FF0000"/>
+                </a:solidFill>
+              </a:rPr>
+              <a:t>mapping</a:t>
+            </a:r>
+            <a:r>
+              <a:rPr lang="en-US" altLang="zh-CN" dirty="0"/>
+              <a:t>="/*.html" location="/"/&gt;</a:t>
+            </a:r>
+          </a:p>
+          <a:p>
+            <a:pPr marL="0" indent="0">
+              <a:buNone/>
+            </a:pPr>
+            <a:r>
+              <a:rPr lang="en-US" altLang="zh-CN" dirty="0"/>
+              <a:t>  </a:t>
+            </a:r>
+          </a:p>
+          <a:p>
+            <a:pPr marL="0" indent="0">
+              <a:buNone/>
+            </a:pPr>
+            <a:r>
+              <a:rPr lang="en-US" altLang="zh-CN" dirty="0"/>
+              <a:t>&lt;bean id="</a:t>
+            </a:r>
+            <a:r>
+              <a:rPr lang="en-US" altLang="zh-CN" dirty="0" err="1">
+                <a:solidFill>
+                  <a:srgbClr val="FF0000"/>
+                </a:solidFill>
+              </a:rPr>
+              <a:t>viewResolver</a:t>
+            </a:r>
+            <a:r>
+              <a:rPr lang="en-US" altLang="zh-CN" dirty="0"/>
+              <a:t>" class="org.springframework.web.servlet.view.InternalResourceViewResolver"&gt;</a:t>
+            </a:r>
+          </a:p>
+          <a:p>
+            <a:pPr marL="0" indent="0">
+              <a:buNone/>
+            </a:pPr>
+            <a:r>
+              <a:rPr lang="en-US" altLang="zh-CN" dirty="0"/>
+              <a:t>    &lt;property name="prefix" value="/WEB-INF/</a:t>
+            </a:r>
+            <a:r>
+              <a:rPr lang="en-US" altLang="zh-CN" dirty="0" err="1"/>
+              <a:t>jsp</a:t>
+            </a:r>
+            <a:r>
+              <a:rPr lang="en-US" altLang="zh-CN" dirty="0"/>
+              <a:t>/"/&gt;</a:t>
+            </a:r>
+          </a:p>
+          <a:p>
+            <a:pPr marL="0" indent="0">
+              <a:buNone/>
+            </a:pPr>
+            <a:r>
+              <a:rPr lang="en-US" altLang="zh-CN" dirty="0"/>
+              <a:t>    &lt;property name="suffix" value=".</a:t>
+            </a:r>
+            <a:r>
+              <a:rPr lang="en-US" altLang="zh-CN" dirty="0" err="1"/>
+              <a:t>jsp</a:t>
+            </a:r>
+            <a:r>
+              <a:rPr lang="en-US" altLang="zh-CN" dirty="0"/>
+              <a:t>"/&gt;</a:t>
+            </a:r>
+          </a:p>
+          <a:p>
+            <a:pPr marL="0" indent="0">
+              <a:buNone/>
+            </a:pPr>
+            <a:r>
+              <a:rPr lang="en-US" altLang="zh-CN" dirty="0"/>
+              <a:t>&lt;/bean&gt;</a:t>
+            </a:r>
+          </a:p>
+          <a:p>
+            <a:pPr marL="0" indent="0">
+              <a:buNone/>
+            </a:pPr>
+            <a:endParaRPr lang="zh-CN" altLang="en-US" dirty="0"/>
+          </a:p>
+        </p:txBody>
+      </p:sp>
+    </p:spTree>
+    <p:extLst>
+      <p:ext uri="{BB962C8B-B14F-4D97-AF65-F5344CB8AC3E}">
+        <p14:creationId xmlns:p14="http://schemas.microsoft.com/office/powerpoint/2010/main" val="1409765379"/>
+      </p:ext>
+    </p:extLst>
+  </p:cSld>
+  <p:clrMapOvr>
+    <a:masterClrMapping/>
+  </p:clrMapOvr>
+  <p:timing>
+    <p:tnLst>
+      <p:par>
+        <p:cTn id="1" dur="indefinite" restart="never" nodeType="tmRoot"/>
+      </p:par>
+    </p:tnLst>
+  </p:timing>
+</p:sld>
+</file>
+
+<file path=ppt/slides/slide8.xml><?xml version="1.0" encoding="utf-8"?>
+<p:sld xmlns:a="http://schemas.openxmlformats.org/drawingml/2006/main" xmlns:r="http://schemas.openxmlformats.org/officeDocument/2006/relationships" xmlns:p="http://schemas.openxmlformats.org/presentationml/2006/main">
+  <p:cSld>
+    <p:spTree>
+      <p:nvGrpSpPr>
+        <p:cNvPr id="1" name=""/>
+        <p:cNvGrpSpPr/>
+        <p:nvPr/>
+      </p:nvGrpSpPr>
+      <p:grpSpPr>
+        <a:xfrm>
+          <a:off x="0" y="0"/>
+          <a:ext cx="0" cy="0"/>
+          <a:chOff x="0" y="0"/>
+          <a:chExt cx="0" cy="0"/>
+        </a:xfrm>
+      </p:grpSpPr>
+      <p:sp>
+        <p:nvSpPr>
+          <p:cNvPr id="29698" name="内容占位符 1"/>
+          <p:cNvSpPr>
+            <a:spLocks noGrp="1"/>
+          </p:cNvSpPr>
+          <p:nvPr>
+            <p:ph idx="1"/>
+          </p:nvPr>
+        </p:nvSpPr>
+        <p:spPr>
+          <a:xfrm>
+            <a:off x="428625" y="1143000"/>
+            <a:ext cx="8429625" cy="4525963"/>
+          </a:xfrm>
+        </p:spPr>
+        <p:txBody>
+          <a:bodyPr/>
+          <a:lstStyle/>
+          <a:p>
+            <a:pPr eaLnBrk="1" hangingPunct="1"/>
+            <a:r>
+              <a:rPr lang="zh-CN" altLang="en-US" dirty="0" smtClean="0"/>
+              <a:t>所有被</a:t>
+            </a:r>
+            <a:r>
+              <a:rPr lang="en-US" altLang="zh-CN" dirty="0" smtClean="0"/>
+              <a:t>Spring </a:t>
+            </a:r>
+            <a:r>
+              <a:rPr lang="en-US" altLang="zh-CN" dirty="0" err="1" smtClean="0"/>
+              <a:t>IoC</a:t>
+            </a:r>
+            <a:r>
+              <a:rPr lang="en-US" altLang="zh-CN" dirty="0" smtClean="0"/>
+              <a:t> Container</a:t>
+            </a:r>
+            <a:r>
+              <a:rPr lang="zh-CN" altLang="en-US" dirty="0" smtClean="0"/>
+              <a:t>管理的对象被称为组件</a:t>
+            </a:r>
+            <a:endParaRPr lang="en-US" altLang="zh-CN" dirty="0" smtClean="0"/>
+          </a:p>
+          <a:p>
+            <a:pPr eaLnBrk="1" hangingPunct="1"/>
+            <a:r>
+              <a:rPr lang="en-US" altLang="zh-CN" sz="2400" dirty="0" smtClean="0"/>
+              <a:t>@</a:t>
+            </a:r>
+            <a:r>
+              <a:rPr lang="en-US" altLang="zh-CN" sz="2400" dirty="0" err="1" smtClean="0"/>
+              <a:t>Compoent</a:t>
+            </a:r>
+            <a:endParaRPr lang="en-US" altLang="zh-CN" sz="2400" dirty="0" smtClean="0"/>
+          </a:p>
+          <a:p>
+            <a:pPr lvl="1" eaLnBrk="1" hangingPunct="1"/>
+            <a:r>
+              <a:rPr lang="en-US" altLang="zh-CN" sz="2000" dirty="0" smtClean="0"/>
+              <a:t>@Controller</a:t>
+            </a:r>
+          </a:p>
+          <a:p>
+            <a:pPr lvl="1" eaLnBrk="1" hangingPunct="1"/>
+            <a:r>
+              <a:rPr lang="en-US" altLang="zh-CN" sz="2000" dirty="0" smtClean="0"/>
+              <a:t>@Service</a:t>
+            </a:r>
+          </a:p>
+          <a:p>
+            <a:pPr lvl="1" eaLnBrk="1" hangingPunct="1"/>
+            <a:r>
+              <a:rPr lang="en-US" altLang="zh-CN" sz="2000" dirty="0" smtClean="0"/>
+              <a:t>@</a:t>
+            </a:r>
+            <a:r>
+              <a:rPr lang="en-US" altLang="zh-CN" sz="2000" dirty="0" smtClean="0"/>
+              <a:t>Repository</a:t>
+            </a:r>
+          </a:p>
+          <a:p>
+            <a:pPr marL="400050"/>
+            <a:endParaRPr lang="en-US" altLang="zh-CN" sz="2400" dirty="0" smtClean="0"/>
+          </a:p>
+          <a:p>
+            <a:pPr marL="400050"/>
+            <a:r>
+              <a:rPr lang="zh-CN" altLang="en-US" sz="2400" dirty="0" smtClean="0"/>
+              <a:t>依赖注入</a:t>
+            </a:r>
+            <a:endParaRPr lang="en-US" altLang="zh-CN" sz="2400" dirty="0" smtClean="0"/>
+          </a:p>
+          <a:p>
+            <a:pPr marL="800100" lvl="1"/>
+            <a:r>
+              <a:rPr lang="en-US" altLang="zh-CN" sz="2000" dirty="0" smtClean="0"/>
+              <a:t>@</a:t>
+            </a:r>
+            <a:r>
+              <a:rPr lang="en-US" altLang="zh-CN" sz="2000" dirty="0" err="1" smtClean="0"/>
+              <a:t>AutoWired</a:t>
+            </a:r>
+            <a:endParaRPr lang="en-US" altLang="zh-CN" sz="2000" dirty="0" smtClean="0"/>
+          </a:p>
+          <a:p>
+            <a:pPr eaLnBrk="1" hangingPunct="1"/>
+            <a:endParaRPr lang="zh-CN" altLang="en-US" sz="2400" dirty="0" smtClean="0"/>
+          </a:p>
+        </p:txBody>
+      </p:sp>
+      <p:sp>
+        <p:nvSpPr>
+          <p:cNvPr id="3" name="标题 2"/>
+          <p:cNvSpPr>
+            <a:spLocks noGrp="1"/>
+          </p:cNvSpPr>
+          <p:nvPr>
+            <p:ph type="title"/>
+          </p:nvPr>
+        </p:nvSpPr>
+        <p:spPr>
+          <a:xfrm>
+            <a:off x="34925" y="188913"/>
+            <a:ext cx="8229600" cy="571500"/>
+          </a:xfrm>
+        </p:spPr>
+        <p:txBody>
+          <a:bodyPr>
+            <a:normAutofit fontScale="90000"/>
+          </a:bodyPr>
+          <a:lstStyle/>
+          <a:p>
+            <a:pPr>
+              <a:defRPr/>
+            </a:pPr>
+            <a:r>
+              <a:rPr lang="en-US" altLang="zh-CN" dirty="0" err="1"/>
+              <a:t>mvc:annotation-driven</a:t>
+            </a:r>
+            <a:endParaRPr lang="zh-CN" altLang="en-US" dirty="0"/>
+          </a:p>
+        </p:txBody>
+      </p:sp>
+    </p:spTree>
+    <p:extLst>
+      <p:ext uri="{BB962C8B-B14F-4D97-AF65-F5344CB8AC3E}">
+        <p14:creationId xmlns:p14="http://schemas.microsoft.com/office/powerpoint/2010/main" val="3152563188"/>
+      </p:ext>
+    </p:extLst>
+  </p:cSld>
+  <p:clrMapOvr>
+    <a:masterClrMapping/>
+  </p:clrMapOvr>
+  <p:timing>
+    <p:tnLst>
+      <p:par>
+        <p:cTn id="1" dur="indefinite" restart="never" nodeType="tmRoot"/>
+      </p:par>
+    </p:tnLst>
+  </p:timing>
+</p:sld>
+</file>
+
+<file path=ppt/slides/slide9.xml><?xml version="1.0" encoding="utf-8"?>
 <p:sld xmlns:a="http://schemas.openxmlformats.org/drawingml/2006/main" xmlns:r="http://schemas.openxmlformats.org/officeDocument/2006/relationships" xmlns:p="http://schemas.openxmlformats.org/presentationml/2006/main">
   <p:cSld>
     <p:spTree>

--- a/spring/docs/08-spring-mvc.pptx
+++ b/spring/docs/08-spring-mvc.pptx
@@ -6,7 +6,7 @@
     <p:sldMasterId id="2147483660" r:id="rId2"/>
   </p:sldMasterIdLst>
   <p:notesMasterIdLst>
-    <p:notesMasterId r:id="rId12"/>
+    <p:notesMasterId r:id="rId18"/>
   </p:notesMasterIdLst>
   <p:sldIdLst>
     <p:sldId id="256" r:id="rId3"/>
@@ -17,7 +17,13 @@
     <p:sldId id="266" r:id="rId8"/>
     <p:sldId id="268" r:id="rId9"/>
     <p:sldId id="267" r:id="rId10"/>
-    <p:sldId id="261" r:id="rId11"/>
+    <p:sldId id="269" r:id="rId11"/>
+    <p:sldId id="270" r:id="rId12"/>
+    <p:sldId id="271" r:id="rId13"/>
+    <p:sldId id="272" r:id="rId14"/>
+    <p:sldId id="274" r:id="rId15"/>
+    <p:sldId id="273" r:id="rId16"/>
+    <p:sldId id="261" r:id="rId17"/>
   </p:sldIdLst>
   <p:sldSz cx="9144000" cy="6858000" type="screen4x3"/>
   <p:notesSz cx="6858000" cy="9144000"/>
@@ -201,7 +207,7 @@
           <a:p>
             <a:fld id="{D6CB015B-B7FF-4093-8E19-9AD7339689D2}" type="datetimeFigureOut">
               <a:rPr lang="zh-CN" altLang="en-US" smtClean="0"/>
-              <a:t>2017/12/21</a:t>
+              <a:t>2017/12/22</a:t>
             </a:fld>
             <a:endParaRPr lang="zh-CN" altLang="en-US"/>
           </a:p>
@@ -556,7 +562,7 @@
             <a:fld id="{96901A81-0F01-4EEE-B1B8-8AAFCC661EC4}" type="slidenum">
               <a:rPr lang="zh-CN" altLang="en-US" smtClean="0"/>
               <a:pPr/>
-              <a:t>9</a:t>
+              <a:t>15</a:t>
             </a:fld>
             <a:endParaRPr lang="zh-CN" altLang="en-US"/>
           </a:p>
@@ -2171,7 +2177,7 @@
             <a:fld id="{B35E7478-ADE7-4480-A214-01473DFE0029}" type="datetimeFigureOut">
               <a:rPr lang="zh-CN" altLang="en-US" smtClean="0"/>
               <a:pPr/>
-              <a:t>2017/12/21</a:t>
+              <a:t>2017/12/22</a:t>
             </a:fld>
             <a:endParaRPr lang="zh-CN" altLang="en-US"/>
           </a:p>
@@ -6036,7 +6042,7 @@
             <a:fld id="{B35E7478-ADE7-4480-A214-01473DFE0029}" type="datetimeFigureOut">
               <a:rPr lang="zh-CN" altLang="en-US" smtClean="0"/>
               <a:pPr/>
-              <a:t>2017/12/21</a:t>
+              <a:t>2017/12/22</a:t>
             </a:fld>
             <a:endParaRPr lang="zh-CN" altLang="en-US"/>
           </a:p>
@@ -7704,7 +7710,7 @@
             <a:fld id="{B35E7478-ADE7-4480-A214-01473DFE0029}" type="datetimeFigureOut">
               <a:rPr lang="zh-CN" altLang="en-US" smtClean="0"/>
               <a:pPr/>
-              <a:t>2017/12/21</a:t>
+              <a:t>2017/12/22</a:t>
             </a:fld>
             <a:endParaRPr lang="zh-CN" altLang="en-US"/>
           </a:p>
@@ -12008,7 +12014,7 @@
                 </a:solidFill>
               </a:rPr>
               <a:pPr/>
-              <a:t>2017/12/21</a:t>
+              <a:t>2017/12/22</a:t>
             </a:fld>
             <a:endParaRPr lang="zh-CN" altLang="en-US">
               <a:solidFill>
@@ -15926,7 +15932,7 @@
                 </a:solidFill>
               </a:rPr>
               <a:pPr/>
-              <a:t>2017/12/21</a:t>
+              <a:t>2017/12/22</a:t>
             </a:fld>
             <a:endParaRPr lang="zh-CN" altLang="en-US">
               <a:solidFill>
@@ -21777,7 +21783,7 @@
                 </a:solidFill>
               </a:rPr>
               <a:pPr/>
-              <a:t>2017/12/21</a:t>
+              <a:t>2017/12/22</a:t>
             </a:fld>
             <a:endParaRPr lang="zh-CN" altLang="en-US">
               <a:solidFill>
@@ -22367,7 +22373,7 @@
                 </a:solidFill>
               </a:rPr>
               <a:pPr/>
-              <a:t>2017/12/21</a:t>
+              <a:t>2017/12/22</a:t>
             </a:fld>
             <a:endParaRPr lang="zh-CN" altLang="en-US">
               <a:solidFill>
@@ -26071,7 +26077,7 @@
                 </a:solidFill>
               </a:rPr>
               <a:pPr/>
-              <a:t>2017/12/21</a:t>
+              <a:t>2017/12/22</a:t>
             </a:fld>
             <a:endParaRPr lang="zh-CN" altLang="en-US">
               <a:solidFill>
@@ -26205,7 +26211,7 @@
                 </a:solidFill>
               </a:rPr>
               <a:pPr/>
-              <a:t>2017/12/21</a:t>
+              <a:t>2017/12/22</a:t>
             </a:fld>
             <a:endParaRPr lang="zh-CN" altLang="en-US">
               <a:solidFill>
@@ -27034,7 +27040,7 @@
             <a:fld id="{B35E7478-ADE7-4480-A214-01473DFE0029}" type="datetimeFigureOut">
               <a:rPr lang="zh-CN" altLang="en-US" smtClean="0"/>
               <a:pPr/>
-              <a:t>2017/12/21</a:t>
+              <a:t>2017/12/22</a:t>
             </a:fld>
             <a:endParaRPr lang="zh-CN" altLang="en-US"/>
           </a:p>
@@ -32362,7 +32368,7 @@
             <a:fld id="{B35E7478-ADE7-4480-A214-01473DFE0029}" type="datetimeFigureOut">
               <a:rPr lang="zh-CN" altLang="en-US" smtClean="0"/>
               <a:pPr/>
-              <a:t>2017/12/21</a:t>
+              <a:t>2017/12/22</a:t>
             </a:fld>
             <a:endParaRPr lang="zh-CN" altLang="en-US"/>
           </a:p>
@@ -37716,7 +37722,7 @@
             <a:fld id="{B35E7478-ADE7-4480-A214-01473DFE0029}" type="datetimeFigureOut">
               <a:rPr lang="zh-CN" altLang="en-US" smtClean="0"/>
               <a:pPr/>
-              <a:t>2017/12/21</a:t>
+              <a:t>2017/12/22</a:t>
             </a:fld>
             <a:endParaRPr lang="zh-CN" altLang="en-US"/>
           </a:p>
@@ -37813,7 +37819,7 @@
             <a:fld id="{B35E7478-ADE7-4480-A214-01473DFE0029}" type="datetimeFigureOut">
               <a:rPr lang="zh-CN" altLang="en-US" smtClean="0"/>
               <a:pPr/>
-              <a:t>2017/12/21</a:t>
+              <a:t>2017/12/22</a:t>
             </a:fld>
             <a:endParaRPr lang="zh-CN" altLang="en-US"/>
           </a:p>
@@ -38099,7 +38105,7 @@
             <a:fld id="{B35E7478-ADE7-4480-A214-01473DFE0029}" type="datetimeFigureOut">
               <a:rPr lang="zh-CN" altLang="en-US" smtClean="0"/>
               <a:pPr/>
-              <a:t>2017/12/21</a:t>
+              <a:t>2017/12/22</a:t>
             </a:fld>
             <a:endParaRPr lang="zh-CN" altLang="en-US"/>
           </a:p>
@@ -38354,7 +38360,7 @@
             <a:fld id="{B35E7478-ADE7-4480-A214-01473DFE0029}" type="datetimeFigureOut">
               <a:rPr lang="zh-CN" altLang="en-US" smtClean="0"/>
               <a:pPr/>
-              <a:t>2017/12/21</a:t>
+              <a:t>2017/12/22</a:t>
             </a:fld>
             <a:endParaRPr lang="zh-CN" altLang="en-US"/>
           </a:p>
@@ -38526,7 +38532,7 @@
             <a:fld id="{B35E7478-ADE7-4480-A214-01473DFE0029}" type="datetimeFigureOut">
               <a:rPr lang="zh-CN" altLang="en-US" smtClean="0"/>
               <a:pPr/>
-              <a:t>2017/12/21</a:t>
+              <a:t>2017/12/22</a:t>
             </a:fld>
             <a:endParaRPr lang="zh-CN" altLang="en-US"/>
           </a:p>
@@ -38753,7 +38759,7 @@
             <a:fld id="{B35E7478-ADE7-4480-A214-01473DFE0029}" type="datetimeFigureOut">
               <a:rPr lang="zh-CN" altLang="en-US" smtClean="0"/>
               <a:pPr/>
-              <a:t>2017/12/21</a:t>
+              <a:t>2017/12/22</a:t>
             </a:fld>
             <a:endParaRPr lang="zh-CN" altLang="en-US"/>
           </a:p>
@@ -39289,7 +39295,7 @@
                 </a:solidFill>
               </a:rPr>
               <a:pPr/>
-              <a:t>2017/12/21</a:t>
+              <a:t>2017/12/22</a:t>
             </a:fld>
             <a:endParaRPr lang="zh-CN" altLang="en-US">
               <a:solidFill>
@@ -39745,6 +39751,1496 @@
     <p:extLst>
       <p:ext uri="{BB962C8B-B14F-4D97-AF65-F5344CB8AC3E}">
         <p14:creationId xmlns:p14="http://schemas.microsoft.com/office/powerpoint/2010/main" val="2150810646"/>
+      </p:ext>
+    </p:extLst>
+  </p:cSld>
+  <p:clrMapOvr>
+    <a:masterClrMapping/>
+  </p:clrMapOvr>
+  <p:timing>
+    <p:tnLst>
+      <p:par>
+        <p:cTn id="1" dur="indefinite" restart="never" nodeType="tmRoot"/>
+      </p:par>
+    </p:tnLst>
+  </p:timing>
+</p:sld>
+</file>
+
+<file path=ppt/slides/slide10.xml><?xml version="1.0" encoding="utf-8"?>
+<p:sld xmlns:a="http://schemas.openxmlformats.org/drawingml/2006/main" xmlns:r="http://schemas.openxmlformats.org/officeDocument/2006/relationships" xmlns:p="http://schemas.openxmlformats.org/presentationml/2006/main">
+  <p:cSld>
+    <p:spTree>
+      <p:nvGrpSpPr>
+        <p:cNvPr id="1" name=""/>
+        <p:cNvGrpSpPr/>
+        <p:nvPr/>
+      </p:nvGrpSpPr>
+      <p:grpSpPr>
+        <a:xfrm>
+          <a:off x="0" y="0"/>
+          <a:ext cx="0" cy="0"/>
+          <a:chOff x="0" y="0"/>
+          <a:chExt cx="0" cy="0"/>
+        </a:xfrm>
+      </p:grpSpPr>
+      <p:sp>
+        <p:nvSpPr>
+          <p:cNvPr id="2" name="标题 1"/>
+          <p:cNvSpPr>
+            <a:spLocks noGrp="1"/>
+          </p:cNvSpPr>
+          <p:nvPr>
+            <p:ph type="title"/>
+          </p:nvPr>
+        </p:nvSpPr>
+        <p:spPr/>
+        <p:txBody>
+          <a:bodyPr>
+            <a:normAutofit fontScale="90000"/>
+          </a:bodyPr>
+          <a:lstStyle/>
+          <a:p>
+            <a:r>
+              <a:rPr lang="en-US" altLang="zh-CN" dirty="0"/>
+              <a:t>@</a:t>
+            </a:r>
+            <a:r>
+              <a:rPr lang="en-US" altLang="zh-CN" dirty="0" err="1"/>
+              <a:t>RequestBody</a:t>
+            </a:r>
+            <a:endParaRPr lang="zh-CN" altLang="en-US" dirty="0"/>
+          </a:p>
+        </p:txBody>
+      </p:sp>
+      <p:sp>
+        <p:nvSpPr>
+          <p:cNvPr id="3" name="内容占位符 2"/>
+          <p:cNvSpPr>
+            <a:spLocks noGrp="1"/>
+          </p:cNvSpPr>
+          <p:nvPr>
+            <p:ph idx="1"/>
+          </p:nvPr>
+        </p:nvSpPr>
+        <p:spPr/>
+        <p:txBody>
+          <a:bodyPr>
+            <a:normAutofit lnSpcReduction="10000"/>
+          </a:bodyPr>
+          <a:lstStyle/>
+          <a:p>
+            <a:pPr marL="0" indent="0">
+              <a:buNone/>
+            </a:pPr>
+            <a:r>
+              <a:rPr lang="en-US" altLang="zh-CN" dirty="0"/>
+              <a:t>@</a:t>
+            </a:r>
+            <a:r>
+              <a:rPr lang="en-US" altLang="zh-CN" dirty="0" err="1"/>
+              <a:t>PostMapping</a:t>
+            </a:r>
+            <a:r>
+              <a:rPr lang="en-US" altLang="zh-CN" dirty="0"/>
+              <a:t>("/</a:t>
+            </a:r>
+            <a:r>
+              <a:rPr lang="en-US" altLang="zh-CN" dirty="0" err="1"/>
+              <a:t>saveProduct</a:t>
+            </a:r>
+            <a:r>
+              <a:rPr lang="en-US" altLang="zh-CN" dirty="0"/>
+              <a:t>")</a:t>
+            </a:r>
+          </a:p>
+          <a:p>
+            <a:pPr marL="0" indent="0">
+              <a:buNone/>
+            </a:pPr>
+            <a:r>
+              <a:rPr lang="en-US" altLang="zh-CN" dirty="0"/>
+              <a:t>public String </a:t>
+            </a:r>
+            <a:r>
+              <a:rPr lang="en-US" altLang="zh-CN" dirty="0" err="1"/>
+              <a:t>saveProduct</a:t>
+            </a:r>
+            <a:r>
+              <a:rPr lang="en-US" altLang="zh-CN" dirty="0"/>
+              <a:t>(</a:t>
+            </a:r>
+          </a:p>
+          <a:p>
+            <a:pPr marL="0" indent="0">
+              <a:buNone/>
+            </a:pPr>
+            <a:r>
+              <a:rPr lang="en-US" altLang="zh-CN" dirty="0"/>
+              <a:t>  @</a:t>
+            </a:r>
+            <a:r>
+              <a:rPr lang="en-US" altLang="zh-CN" dirty="0" err="1"/>
+              <a:t>RequestBody</a:t>
+            </a:r>
+            <a:r>
+              <a:rPr lang="en-US" altLang="zh-CN" dirty="0"/>
+              <a:t> </a:t>
+            </a:r>
+            <a:r>
+              <a:rPr lang="en-US" altLang="zh-CN" dirty="0" err="1"/>
+              <a:t>ProductForm</a:t>
+            </a:r>
+            <a:r>
+              <a:rPr lang="en-US" altLang="zh-CN" dirty="0"/>
+              <a:t> </a:t>
+            </a:r>
+            <a:r>
+              <a:rPr lang="en-US" altLang="zh-CN" dirty="0" err="1"/>
+              <a:t>productForm</a:t>
+            </a:r>
+            <a:r>
+              <a:rPr lang="en-US" altLang="zh-CN" dirty="0"/>
+              <a:t>) {....}</a:t>
+            </a:r>
+          </a:p>
+          <a:p>
+            <a:pPr marL="0" indent="0">
+              <a:buNone/>
+            </a:pPr>
+            <a:endParaRPr lang="en-US" altLang="zh-CN" dirty="0" smtClean="0"/>
+          </a:p>
+          <a:p>
+            <a:pPr marL="0" indent="0">
+              <a:buNone/>
+            </a:pPr>
+            <a:r>
+              <a:rPr lang="en-US" altLang="zh-CN" dirty="0"/>
+              <a:t>@</a:t>
+            </a:r>
+            <a:r>
+              <a:rPr lang="en-US" altLang="zh-CN" dirty="0" err="1"/>
+              <a:t>PostMapping</a:t>
+            </a:r>
+            <a:r>
+              <a:rPr lang="en-US" altLang="zh-CN" dirty="0"/>
+              <a:t>("/</a:t>
+            </a:r>
+            <a:r>
+              <a:rPr lang="en-US" altLang="zh-CN" dirty="0" err="1"/>
+              <a:t>saveProduct</a:t>
+            </a:r>
+            <a:r>
+              <a:rPr lang="en-US" altLang="zh-CN" dirty="0"/>
+              <a:t>")</a:t>
+            </a:r>
+          </a:p>
+          <a:p>
+            <a:pPr marL="0" indent="0">
+              <a:buNone/>
+            </a:pPr>
+            <a:r>
+              <a:rPr lang="en-US" altLang="zh-CN" dirty="0"/>
+              <a:t>public String </a:t>
+            </a:r>
+            <a:r>
+              <a:rPr lang="en-US" altLang="zh-CN" dirty="0" err="1"/>
+              <a:t>saveProduct</a:t>
+            </a:r>
+            <a:r>
+              <a:rPr lang="en-US" altLang="zh-CN" dirty="0"/>
+              <a:t>(</a:t>
+            </a:r>
+          </a:p>
+          <a:p>
+            <a:pPr marL="0" indent="0">
+              <a:buNone/>
+            </a:pPr>
+            <a:r>
+              <a:rPr lang="en-US" altLang="zh-CN" dirty="0" smtClean="0"/>
+              <a:t>       </a:t>
+            </a:r>
+            <a:r>
+              <a:rPr lang="en-US" altLang="zh-CN" dirty="0" err="1" smtClean="0"/>
+              <a:t>ProductForm</a:t>
+            </a:r>
+            <a:r>
+              <a:rPr lang="en-US" altLang="zh-CN" dirty="0" smtClean="0"/>
+              <a:t> </a:t>
+            </a:r>
+            <a:r>
+              <a:rPr lang="en-US" altLang="zh-CN" dirty="0" err="1"/>
+              <a:t>productForm</a:t>
+            </a:r>
+            <a:r>
+              <a:rPr lang="en-US" altLang="zh-CN" dirty="0"/>
+              <a:t>) {....}</a:t>
+            </a:r>
+          </a:p>
+          <a:p>
+            <a:pPr marL="0" indent="0">
+              <a:buNone/>
+            </a:pPr>
+            <a:endParaRPr lang="zh-CN" altLang="en-US" dirty="0"/>
+          </a:p>
+        </p:txBody>
+      </p:sp>
+    </p:spTree>
+    <p:extLst>
+      <p:ext uri="{BB962C8B-B14F-4D97-AF65-F5344CB8AC3E}">
+        <p14:creationId xmlns:p14="http://schemas.microsoft.com/office/powerpoint/2010/main" val="2688920172"/>
+      </p:ext>
+    </p:extLst>
+  </p:cSld>
+  <p:clrMapOvr>
+    <a:masterClrMapping/>
+  </p:clrMapOvr>
+</p:sld>
+</file>
+
+<file path=ppt/slides/slide11.xml><?xml version="1.0" encoding="utf-8"?>
+<p:sld xmlns:a="http://schemas.openxmlformats.org/drawingml/2006/main" xmlns:r="http://schemas.openxmlformats.org/officeDocument/2006/relationships" xmlns:p="http://schemas.openxmlformats.org/presentationml/2006/main">
+  <p:cSld>
+    <p:spTree>
+      <p:nvGrpSpPr>
+        <p:cNvPr id="1" name=""/>
+        <p:cNvGrpSpPr/>
+        <p:nvPr/>
+      </p:nvGrpSpPr>
+      <p:grpSpPr>
+        <a:xfrm>
+          <a:off x="0" y="0"/>
+          <a:ext cx="0" cy="0"/>
+          <a:chOff x="0" y="0"/>
+          <a:chExt cx="0" cy="0"/>
+        </a:xfrm>
+      </p:grpSpPr>
+      <p:sp>
+        <p:nvSpPr>
+          <p:cNvPr id="2" name="标题 1"/>
+          <p:cNvSpPr>
+            <a:spLocks noGrp="1"/>
+          </p:cNvSpPr>
+          <p:nvPr>
+            <p:ph type="title"/>
+          </p:nvPr>
+        </p:nvSpPr>
+        <p:spPr/>
+        <p:txBody>
+          <a:bodyPr>
+            <a:normAutofit fontScale="90000"/>
+          </a:bodyPr>
+          <a:lstStyle/>
+          <a:p>
+            <a:r>
+              <a:rPr lang="en-US" altLang="zh-CN" dirty="0" smtClean="0"/>
+              <a:t>Model</a:t>
+            </a:r>
+            <a:r>
+              <a:rPr lang="zh-CN" altLang="en-US" dirty="0" smtClean="0"/>
+              <a:t>参数</a:t>
+            </a:r>
+            <a:endParaRPr lang="zh-CN" altLang="en-US" dirty="0"/>
+          </a:p>
+        </p:txBody>
+      </p:sp>
+      <p:sp>
+        <p:nvSpPr>
+          <p:cNvPr id="3" name="内容占位符 2"/>
+          <p:cNvSpPr>
+            <a:spLocks noGrp="1"/>
+          </p:cNvSpPr>
+          <p:nvPr>
+            <p:ph idx="1"/>
+          </p:nvPr>
+        </p:nvSpPr>
+        <p:spPr/>
+        <p:txBody>
+          <a:bodyPr>
+            <a:normAutofit fontScale="55000" lnSpcReduction="20000"/>
+          </a:bodyPr>
+          <a:lstStyle/>
+          <a:p>
+            <a:pPr marL="0" indent="0">
+              <a:buNone/>
+            </a:pPr>
+            <a:r>
+              <a:rPr lang="en-US" altLang="zh-CN" dirty="0"/>
+              <a:t>@</a:t>
+            </a:r>
+            <a:r>
+              <a:rPr lang="en-US" altLang="zh-CN" dirty="0" err="1"/>
+              <a:t>RequestMapping</a:t>
+            </a:r>
+            <a:r>
+              <a:rPr lang="en-US" altLang="zh-CN" dirty="0"/>
+              <a:t>(value="/</a:t>
+            </a:r>
+            <a:r>
+              <a:rPr lang="en-US" altLang="zh-CN" dirty="0" err="1"/>
+              <a:t>product_save</a:t>
+            </a:r>
+            <a:r>
+              <a:rPr lang="en-US" altLang="zh-CN" dirty="0"/>
+              <a:t>")</a:t>
+            </a:r>
+          </a:p>
+          <a:p>
+            <a:pPr marL="0" indent="0">
+              <a:buNone/>
+            </a:pPr>
+            <a:r>
+              <a:rPr lang="en-US" altLang="zh-CN" dirty="0"/>
+              <a:t>    public String </a:t>
+            </a:r>
+            <a:r>
+              <a:rPr lang="en-US" altLang="zh-CN" dirty="0" err="1"/>
+              <a:t>saveProduct</a:t>
+            </a:r>
+            <a:r>
+              <a:rPr lang="en-US" altLang="zh-CN" dirty="0"/>
+              <a:t>(</a:t>
+            </a:r>
+            <a:r>
+              <a:rPr lang="en-US" altLang="zh-CN" dirty="0" err="1"/>
+              <a:t>ProductForm</a:t>
+            </a:r>
+            <a:r>
+              <a:rPr lang="en-US" altLang="zh-CN" dirty="0"/>
+              <a:t> </a:t>
+            </a:r>
+            <a:r>
+              <a:rPr lang="en-US" altLang="zh-CN" dirty="0" err="1"/>
+              <a:t>productForm</a:t>
+            </a:r>
+            <a:r>
+              <a:rPr lang="en-US" altLang="zh-CN" dirty="0"/>
+              <a:t>, Model model) {</a:t>
+            </a:r>
+          </a:p>
+          <a:p>
+            <a:pPr marL="0" indent="0">
+              <a:buNone/>
+            </a:pPr>
+            <a:r>
+              <a:rPr lang="en-US" altLang="zh-CN" dirty="0" smtClean="0"/>
+              <a:t>Product </a:t>
+            </a:r>
+            <a:r>
+              <a:rPr lang="en-US" altLang="zh-CN" dirty="0" err="1"/>
+              <a:t>product</a:t>
+            </a:r>
+            <a:r>
+              <a:rPr lang="en-US" altLang="zh-CN" dirty="0"/>
+              <a:t> = new Product();</a:t>
+            </a:r>
+          </a:p>
+          <a:p>
+            <a:pPr marL="0" indent="0">
+              <a:buNone/>
+            </a:pPr>
+            <a:r>
+              <a:rPr lang="en-US" altLang="zh-CN" dirty="0"/>
+              <a:t>        </a:t>
+            </a:r>
+            <a:r>
+              <a:rPr lang="en-US" altLang="zh-CN" dirty="0" err="1"/>
+              <a:t>product.setName</a:t>
+            </a:r>
+            <a:r>
+              <a:rPr lang="en-US" altLang="zh-CN" dirty="0"/>
+              <a:t>(</a:t>
+            </a:r>
+            <a:r>
+              <a:rPr lang="en-US" altLang="zh-CN" dirty="0" err="1"/>
+              <a:t>productForm.getName</a:t>
+            </a:r>
+            <a:r>
+              <a:rPr lang="en-US" altLang="zh-CN" dirty="0"/>
+              <a:t>());</a:t>
+            </a:r>
+          </a:p>
+          <a:p>
+            <a:pPr marL="0" indent="0">
+              <a:buNone/>
+            </a:pPr>
+            <a:r>
+              <a:rPr lang="en-US" altLang="zh-CN" dirty="0"/>
+              <a:t>        </a:t>
+            </a:r>
+            <a:r>
+              <a:rPr lang="en-US" altLang="zh-CN" dirty="0" err="1"/>
+              <a:t>product.setDescription</a:t>
+            </a:r>
+            <a:r>
+              <a:rPr lang="en-US" altLang="zh-CN" dirty="0"/>
+              <a:t>(</a:t>
+            </a:r>
+            <a:r>
+              <a:rPr lang="en-US" altLang="zh-CN" dirty="0" err="1"/>
+              <a:t>productForm.getDescription</a:t>
+            </a:r>
+            <a:r>
+              <a:rPr lang="en-US" altLang="zh-CN" dirty="0"/>
+              <a:t>());</a:t>
+            </a:r>
+          </a:p>
+          <a:p>
+            <a:pPr marL="0" indent="0">
+              <a:buNone/>
+            </a:pPr>
+            <a:r>
+              <a:rPr lang="en-US" altLang="zh-CN" dirty="0"/>
+              <a:t>        try {</a:t>
+            </a:r>
+          </a:p>
+          <a:p>
+            <a:pPr marL="0" indent="0">
+              <a:buNone/>
+            </a:pPr>
+            <a:r>
+              <a:rPr lang="en-US" altLang="zh-CN" dirty="0"/>
+              <a:t>            </a:t>
+            </a:r>
+            <a:r>
+              <a:rPr lang="en-US" altLang="zh-CN" dirty="0" err="1"/>
+              <a:t>product.setPrice</a:t>
+            </a:r>
+            <a:r>
+              <a:rPr lang="en-US" altLang="zh-CN" dirty="0"/>
+              <a:t>(</a:t>
+            </a:r>
+            <a:r>
+              <a:rPr lang="en-US" altLang="zh-CN" dirty="0" err="1"/>
+              <a:t>Float.parseFloat</a:t>
+            </a:r>
+            <a:r>
+              <a:rPr lang="en-US" altLang="zh-CN" dirty="0"/>
+              <a:t>(</a:t>
+            </a:r>
+          </a:p>
+          <a:p>
+            <a:pPr marL="0" indent="0">
+              <a:buNone/>
+            </a:pPr>
+            <a:r>
+              <a:rPr lang="en-US" altLang="zh-CN" dirty="0"/>
+              <a:t>                    </a:t>
+            </a:r>
+            <a:r>
+              <a:rPr lang="en-US" altLang="zh-CN" dirty="0" err="1"/>
+              <a:t>productForm.getPrice</a:t>
+            </a:r>
+            <a:r>
+              <a:rPr lang="en-US" altLang="zh-CN" dirty="0"/>
+              <a:t>()));</a:t>
+            </a:r>
+          </a:p>
+          <a:p>
+            <a:pPr marL="0" indent="0">
+              <a:buNone/>
+            </a:pPr>
+            <a:r>
+              <a:rPr lang="en-US" altLang="zh-CN" dirty="0"/>
+              <a:t>        } catch (</a:t>
+            </a:r>
+            <a:r>
+              <a:rPr lang="en-US" altLang="zh-CN" dirty="0" err="1"/>
+              <a:t>NumberFormatException</a:t>
+            </a:r>
+            <a:r>
+              <a:rPr lang="en-US" altLang="zh-CN" dirty="0"/>
+              <a:t> e) {</a:t>
+            </a:r>
+          </a:p>
+          <a:p>
+            <a:pPr marL="0" indent="0">
+              <a:buNone/>
+            </a:pPr>
+            <a:r>
+              <a:rPr lang="en-US" altLang="zh-CN" dirty="0"/>
+              <a:t>        }</a:t>
+            </a:r>
+          </a:p>
+          <a:p>
+            <a:pPr marL="0" indent="0">
+              <a:buNone/>
+            </a:pPr>
+            <a:endParaRPr lang="en-US" altLang="zh-CN" dirty="0"/>
+          </a:p>
+          <a:p>
+            <a:pPr marL="0" indent="0">
+              <a:buNone/>
+            </a:pPr>
+            <a:r>
+              <a:rPr lang="en-US" altLang="zh-CN" dirty="0"/>
+              <a:t>        // add product</a:t>
+            </a:r>
+          </a:p>
+          <a:p>
+            <a:pPr marL="0" indent="0">
+              <a:buNone/>
+            </a:pPr>
+            <a:endParaRPr lang="en-US" altLang="zh-CN" dirty="0"/>
+          </a:p>
+          <a:p>
+            <a:pPr marL="0" indent="0">
+              <a:buNone/>
+            </a:pPr>
+            <a:r>
+              <a:rPr lang="en-US" altLang="zh-CN" dirty="0"/>
+              <a:t>        </a:t>
+            </a:r>
+            <a:r>
+              <a:rPr lang="en-US" altLang="zh-CN" dirty="0" err="1"/>
+              <a:t>model.addAttribute</a:t>
+            </a:r>
+            <a:r>
+              <a:rPr lang="en-US" altLang="zh-CN" dirty="0"/>
+              <a:t>("</a:t>
+            </a:r>
+            <a:r>
+              <a:rPr lang="en-US" altLang="zh-CN" dirty="0">
+                <a:solidFill>
+                  <a:srgbClr val="C00000"/>
+                </a:solidFill>
+              </a:rPr>
+              <a:t>product</a:t>
+            </a:r>
+            <a:r>
+              <a:rPr lang="en-US" altLang="zh-CN" dirty="0"/>
+              <a:t>", product);</a:t>
+            </a:r>
+          </a:p>
+          <a:p>
+            <a:pPr marL="0" indent="0">
+              <a:buNone/>
+            </a:pPr>
+            <a:r>
+              <a:rPr lang="en-US" altLang="zh-CN" dirty="0"/>
+              <a:t>        return </a:t>
+            </a:r>
+            <a:r>
+              <a:rPr lang="en-US" altLang="zh-CN" dirty="0" smtClean="0"/>
+              <a:t>“</a:t>
+            </a:r>
+            <a:r>
+              <a:rPr lang="en-US" altLang="zh-CN" dirty="0" err="1" smtClean="0"/>
+              <a:t>ProductDetails</a:t>
+            </a:r>
+            <a:r>
+              <a:rPr lang="en-US" altLang="zh-CN" dirty="0" smtClean="0"/>
+              <a:t>”;    </a:t>
+            </a:r>
+            <a:r>
+              <a:rPr lang="en-US" altLang="zh-CN" dirty="0" smtClean="0">
+                <a:sym typeface="Wingdings" pitchFamily="2" charset="2"/>
+              </a:rPr>
+              <a:t> </a:t>
+            </a:r>
+            <a:r>
+              <a:rPr lang="zh-CN" altLang="en-US" dirty="0" smtClean="0">
+                <a:sym typeface="Wingdings" pitchFamily="2" charset="2"/>
+              </a:rPr>
+              <a:t>返回</a:t>
+            </a:r>
+            <a:r>
+              <a:rPr lang="en-US" altLang="zh-CN" dirty="0" err="1" smtClean="0">
+                <a:sym typeface="Wingdings" pitchFamily="2" charset="2"/>
+              </a:rPr>
+              <a:t>Ivew</a:t>
+            </a:r>
+            <a:r>
+              <a:rPr lang="zh-CN" altLang="en-US" dirty="0" smtClean="0">
+                <a:sym typeface="Wingdings" pitchFamily="2" charset="2"/>
+              </a:rPr>
+              <a:t>的</a:t>
+            </a:r>
+            <a:r>
+              <a:rPr lang="en-US" altLang="zh-CN" dirty="0" smtClean="0">
+                <a:sym typeface="Wingdings" pitchFamily="2" charset="2"/>
+              </a:rPr>
+              <a:t>id</a:t>
+            </a:r>
+            <a:endParaRPr lang="en-US" altLang="zh-CN" dirty="0"/>
+          </a:p>
+          <a:p>
+            <a:pPr marL="0" indent="0">
+              <a:buNone/>
+            </a:pPr>
+            <a:r>
+              <a:rPr lang="en-US" altLang="zh-CN" dirty="0"/>
+              <a:t>    </a:t>
+            </a:r>
+            <a:r>
+              <a:rPr lang="en-US" altLang="zh-CN" dirty="0" smtClean="0"/>
+              <a:t>} </a:t>
+            </a:r>
+            <a:endParaRPr lang="zh-CN" altLang="en-US" dirty="0"/>
+          </a:p>
+        </p:txBody>
+      </p:sp>
+    </p:spTree>
+    <p:extLst>
+      <p:ext uri="{BB962C8B-B14F-4D97-AF65-F5344CB8AC3E}">
+        <p14:creationId xmlns:p14="http://schemas.microsoft.com/office/powerpoint/2010/main" val="190609539"/>
+      </p:ext>
+    </p:extLst>
+  </p:cSld>
+  <p:clrMapOvr>
+    <a:masterClrMapping/>
+  </p:clrMapOvr>
+</p:sld>
+</file>
+
+<file path=ppt/slides/slide12.xml><?xml version="1.0" encoding="utf-8"?>
+<p:sld xmlns:a="http://schemas.openxmlformats.org/drawingml/2006/main" xmlns:r="http://schemas.openxmlformats.org/officeDocument/2006/relationships" xmlns:p="http://schemas.openxmlformats.org/presentationml/2006/main">
+  <p:cSld>
+    <p:spTree>
+      <p:nvGrpSpPr>
+        <p:cNvPr id="1" name=""/>
+        <p:cNvGrpSpPr/>
+        <p:nvPr/>
+      </p:nvGrpSpPr>
+      <p:grpSpPr>
+        <a:xfrm>
+          <a:off x="0" y="0"/>
+          <a:ext cx="0" cy="0"/>
+          <a:chOff x="0" y="0"/>
+          <a:chExt cx="0" cy="0"/>
+        </a:xfrm>
+      </p:grpSpPr>
+      <p:sp>
+        <p:nvSpPr>
+          <p:cNvPr id="2" name="标题 1"/>
+          <p:cNvSpPr>
+            <a:spLocks noGrp="1"/>
+          </p:cNvSpPr>
+          <p:nvPr>
+            <p:ph type="title"/>
+          </p:nvPr>
+        </p:nvSpPr>
+        <p:spPr/>
+        <p:txBody>
+          <a:bodyPr>
+            <a:normAutofit fontScale="90000"/>
+          </a:bodyPr>
+          <a:lstStyle/>
+          <a:p>
+            <a:r>
+              <a:rPr lang="en-US" altLang="zh-CN" dirty="0"/>
+              <a:t>Model</a:t>
+            </a:r>
+            <a:r>
+              <a:rPr lang="zh-CN" altLang="en-US" dirty="0"/>
+              <a:t>参数</a:t>
+            </a:r>
+          </a:p>
+        </p:txBody>
+      </p:sp>
+      <p:sp>
+        <p:nvSpPr>
+          <p:cNvPr id="3" name="内容占位符 2"/>
+          <p:cNvSpPr>
+            <a:spLocks noGrp="1"/>
+          </p:cNvSpPr>
+          <p:nvPr>
+            <p:ph idx="1"/>
+          </p:nvPr>
+        </p:nvSpPr>
+        <p:spPr/>
+        <p:txBody>
+          <a:bodyPr>
+            <a:normAutofit fontScale="92500"/>
+          </a:bodyPr>
+          <a:lstStyle/>
+          <a:p>
+            <a:pPr marL="0" indent="0">
+              <a:buNone/>
+            </a:pPr>
+            <a:r>
+              <a:rPr lang="en-US" altLang="zh-CN" dirty="0"/>
+              <a:t> &lt;p&gt;</a:t>
+            </a:r>
+          </a:p>
+          <a:p>
+            <a:pPr marL="0" indent="0">
+              <a:buNone/>
+            </a:pPr>
+            <a:r>
+              <a:rPr lang="en-US" altLang="zh-CN" dirty="0"/>
+              <a:t>        &lt;h5&gt;Details:&lt;/h5&gt;</a:t>
+            </a:r>
+          </a:p>
+          <a:p>
+            <a:pPr marL="0" indent="0">
+              <a:buNone/>
+            </a:pPr>
+            <a:r>
+              <a:rPr lang="en-US" altLang="zh-CN" dirty="0"/>
+              <a:t>        Product Name: ${</a:t>
+            </a:r>
+            <a:r>
+              <a:rPr lang="en-US" altLang="zh-CN" dirty="0">
+                <a:solidFill>
+                  <a:srgbClr val="C00000"/>
+                </a:solidFill>
+              </a:rPr>
+              <a:t>product</a:t>
+            </a:r>
+            <a:r>
+              <a:rPr lang="en-US" altLang="zh-CN" dirty="0"/>
+              <a:t>.name}&lt;</a:t>
+            </a:r>
+            <a:r>
+              <a:rPr lang="en-US" altLang="zh-CN" dirty="0" err="1"/>
+              <a:t>br</a:t>
+            </a:r>
+            <a:r>
+              <a:rPr lang="en-US" altLang="zh-CN" dirty="0"/>
+              <a:t>/&gt;</a:t>
+            </a:r>
+          </a:p>
+          <a:p>
+            <a:pPr marL="0" indent="0">
+              <a:buNone/>
+            </a:pPr>
+            <a:r>
+              <a:rPr lang="en-US" altLang="zh-CN" dirty="0"/>
+              <a:t>        Description: ${</a:t>
+            </a:r>
+            <a:r>
+              <a:rPr lang="en-US" altLang="zh-CN" dirty="0" err="1"/>
+              <a:t>product.description</a:t>
+            </a:r>
+            <a:r>
+              <a:rPr lang="en-US" altLang="zh-CN" dirty="0"/>
+              <a:t>}&lt;</a:t>
+            </a:r>
+            <a:r>
+              <a:rPr lang="en-US" altLang="zh-CN" dirty="0" err="1"/>
+              <a:t>br</a:t>
+            </a:r>
+            <a:r>
+              <a:rPr lang="en-US" altLang="zh-CN" dirty="0"/>
+              <a:t>/&gt;</a:t>
+            </a:r>
+          </a:p>
+          <a:p>
+            <a:pPr marL="0" indent="0">
+              <a:buNone/>
+            </a:pPr>
+            <a:r>
+              <a:rPr lang="en-US" altLang="zh-CN" dirty="0"/>
+              <a:t>        Price: $${</a:t>
+            </a:r>
+            <a:r>
+              <a:rPr lang="en-US" altLang="zh-CN" dirty="0" err="1">
+                <a:solidFill>
+                  <a:srgbClr val="C00000"/>
+                </a:solidFill>
+              </a:rPr>
+              <a:t>product</a:t>
+            </a:r>
+            <a:r>
+              <a:rPr lang="en-US" altLang="zh-CN" dirty="0" err="1"/>
+              <a:t>.price</a:t>
+            </a:r>
+            <a:r>
+              <a:rPr lang="en-US" altLang="zh-CN" dirty="0"/>
+              <a:t>}</a:t>
+            </a:r>
+          </a:p>
+          <a:p>
+            <a:pPr marL="0" indent="0">
+              <a:buNone/>
+            </a:pPr>
+            <a:r>
+              <a:rPr lang="en-US" altLang="zh-CN" dirty="0"/>
+              <a:t>    &lt;/p&gt;</a:t>
+            </a:r>
+          </a:p>
+          <a:p>
+            <a:pPr marL="0" indent="0">
+              <a:buNone/>
+            </a:pPr>
+            <a:r>
+              <a:rPr lang="en-US" altLang="zh-CN" dirty="0"/>
+              <a:t>&lt;</a:t>
+            </a:r>
+            <a:endParaRPr lang="zh-CN" altLang="en-US" dirty="0"/>
+          </a:p>
+        </p:txBody>
+      </p:sp>
+    </p:spTree>
+    <p:extLst>
+      <p:ext uri="{BB962C8B-B14F-4D97-AF65-F5344CB8AC3E}">
+        <p14:creationId xmlns:p14="http://schemas.microsoft.com/office/powerpoint/2010/main" val="2244923997"/>
+      </p:ext>
+    </p:extLst>
+  </p:cSld>
+  <p:clrMapOvr>
+    <a:masterClrMapping/>
+  </p:clrMapOvr>
+</p:sld>
+</file>
+
+<file path=ppt/slides/slide13.xml><?xml version="1.0" encoding="utf-8"?>
+<p:sld xmlns:a="http://schemas.openxmlformats.org/drawingml/2006/main" xmlns:r="http://schemas.openxmlformats.org/officeDocument/2006/relationships" xmlns:p="http://schemas.openxmlformats.org/presentationml/2006/main">
+  <p:cSld>
+    <p:spTree>
+      <p:nvGrpSpPr>
+        <p:cNvPr id="1" name=""/>
+        <p:cNvGrpSpPr/>
+        <p:nvPr/>
+      </p:nvGrpSpPr>
+      <p:grpSpPr>
+        <a:xfrm>
+          <a:off x="0" y="0"/>
+          <a:ext cx="0" cy="0"/>
+          <a:chOff x="0" y="0"/>
+          <a:chExt cx="0" cy="0"/>
+        </a:xfrm>
+      </p:grpSpPr>
+      <p:sp>
+        <p:nvSpPr>
+          <p:cNvPr id="2" name="标题 1"/>
+          <p:cNvSpPr>
+            <a:spLocks noGrp="1"/>
+          </p:cNvSpPr>
+          <p:nvPr>
+            <p:ph type="title"/>
+          </p:nvPr>
+        </p:nvSpPr>
+        <p:spPr/>
+        <p:txBody>
+          <a:bodyPr>
+            <a:normAutofit fontScale="90000"/>
+          </a:bodyPr>
+          <a:lstStyle/>
+          <a:p>
+            <a:r>
+              <a:rPr lang="en-US" altLang="zh-CN" dirty="0" err="1" smtClean="0"/>
+              <a:t>ModelAndView</a:t>
+            </a:r>
+            <a:endParaRPr lang="zh-CN" altLang="en-US" dirty="0"/>
+          </a:p>
+        </p:txBody>
+      </p:sp>
+      <p:sp>
+        <p:nvSpPr>
+          <p:cNvPr id="3" name="内容占位符 2"/>
+          <p:cNvSpPr>
+            <a:spLocks noGrp="1"/>
+          </p:cNvSpPr>
+          <p:nvPr>
+            <p:ph idx="1"/>
+          </p:nvPr>
+        </p:nvSpPr>
+        <p:spPr/>
+        <p:txBody>
+          <a:bodyPr>
+            <a:normAutofit fontScale="55000" lnSpcReduction="20000"/>
+          </a:bodyPr>
+          <a:lstStyle/>
+          <a:p>
+            <a:pPr marL="0" indent="0">
+              <a:buNone/>
+            </a:pPr>
+            <a:r>
+              <a:rPr lang="en-US" altLang="zh-CN" dirty="0"/>
+              <a:t>@</a:t>
+            </a:r>
+            <a:r>
+              <a:rPr lang="en-US" altLang="zh-CN" dirty="0" err="1"/>
+              <a:t>RequestMapping</a:t>
+            </a:r>
+            <a:r>
+              <a:rPr lang="en-US" altLang="zh-CN" dirty="0"/>
+              <a:t>(value="/</a:t>
+            </a:r>
+            <a:r>
+              <a:rPr lang="en-US" altLang="zh-CN" dirty="0" err="1"/>
+              <a:t>product_save</a:t>
+            </a:r>
+            <a:r>
+              <a:rPr lang="en-US" altLang="zh-CN" dirty="0"/>
+              <a:t>")</a:t>
+            </a:r>
+          </a:p>
+          <a:p>
+            <a:pPr marL="0" indent="0">
+              <a:buNone/>
+            </a:pPr>
+            <a:r>
+              <a:rPr lang="en-US" altLang="zh-CN" dirty="0"/>
+              <a:t>    public String </a:t>
+            </a:r>
+            <a:r>
+              <a:rPr lang="en-US" altLang="zh-CN" dirty="0" err="1"/>
+              <a:t>saveProduct</a:t>
+            </a:r>
+            <a:r>
+              <a:rPr lang="en-US" altLang="zh-CN" dirty="0"/>
+              <a:t>(</a:t>
+            </a:r>
+            <a:r>
+              <a:rPr lang="en-US" altLang="zh-CN" dirty="0" err="1"/>
+              <a:t>ProductForm</a:t>
+            </a:r>
+            <a:r>
+              <a:rPr lang="en-US" altLang="zh-CN" dirty="0"/>
+              <a:t> </a:t>
+            </a:r>
+            <a:r>
+              <a:rPr lang="en-US" altLang="zh-CN" dirty="0" err="1" smtClean="0"/>
+              <a:t>productForm</a:t>
+            </a:r>
+            <a:r>
+              <a:rPr lang="en-US" altLang="zh-CN" dirty="0" smtClean="0"/>
+              <a:t>) </a:t>
+            </a:r>
+            <a:r>
+              <a:rPr lang="en-US" altLang="zh-CN" dirty="0"/>
+              <a:t>{</a:t>
+            </a:r>
+          </a:p>
+          <a:p>
+            <a:pPr marL="0" indent="0">
+              <a:buNone/>
+            </a:pPr>
+            <a:r>
+              <a:rPr lang="en-US" altLang="zh-CN" dirty="0" smtClean="0"/>
+              <a:t>        Product </a:t>
+            </a:r>
+            <a:r>
+              <a:rPr lang="en-US" altLang="zh-CN" dirty="0" err="1"/>
+              <a:t>product</a:t>
+            </a:r>
+            <a:r>
+              <a:rPr lang="en-US" altLang="zh-CN" dirty="0"/>
+              <a:t> = new Product();</a:t>
+            </a:r>
+          </a:p>
+          <a:p>
+            <a:pPr marL="0" indent="0">
+              <a:buNone/>
+            </a:pPr>
+            <a:r>
+              <a:rPr lang="en-US" altLang="zh-CN" dirty="0"/>
+              <a:t>        </a:t>
+            </a:r>
+            <a:r>
+              <a:rPr lang="en-US" altLang="zh-CN" dirty="0" err="1"/>
+              <a:t>product.setName</a:t>
+            </a:r>
+            <a:r>
+              <a:rPr lang="en-US" altLang="zh-CN" dirty="0"/>
+              <a:t>(</a:t>
+            </a:r>
+            <a:r>
+              <a:rPr lang="en-US" altLang="zh-CN" dirty="0" err="1"/>
+              <a:t>productForm.getName</a:t>
+            </a:r>
+            <a:r>
+              <a:rPr lang="en-US" altLang="zh-CN" dirty="0"/>
+              <a:t>());</a:t>
+            </a:r>
+          </a:p>
+          <a:p>
+            <a:pPr marL="0" indent="0">
+              <a:buNone/>
+            </a:pPr>
+            <a:r>
+              <a:rPr lang="en-US" altLang="zh-CN" dirty="0"/>
+              <a:t>        </a:t>
+            </a:r>
+            <a:r>
+              <a:rPr lang="en-US" altLang="zh-CN" dirty="0" err="1"/>
+              <a:t>product.setDescription</a:t>
+            </a:r>
+            <a:r>
+              <a:rPr lang="en-US" altLang="zh-CN" dirty="0"/>
+              <a:t>(</a:t>
+            </a:r>
+            <a:r>
+              <a:rPr lang="en-US" altLang="zh-CN" dirty="0" err="1"/>
+              <a:t>productForm.getDescription</a:t>
+            </a:r>
+            <a:r>
+              <a:rPr lang="en-US" altLang="zh-CN" dirty="0"/>
+              <a:t>());</a:t>
+            </a:r>
+          </a:p>
+          <a:p>
+            <a:pPr marL="0" indent="0">
+              <a:buNone/>
+            </a:pPr>
+            <a:r>
+              <a:rPr lang="en-US" altLang="zh-CN" dirty="0"/>
+              <a:t>        try {</a:t>
+            </a:r>
+          </a:p>
+          <a:p>
+            <a:pPr marL="0" indent="0">
+              <a:buNone/>
+            </a:pPr>
+            <a:r>
+              <a:rPr lang="en-US" altLang="zh-CN" dirty="0"/>
+              <a:t>            </a:t>
+            </a:r>
+            <a:r>
+              <a:rPr lang="en-US" altLang="zh-CN" dirty="0" err="1"/>
+              <a:t>product.setPrice</a:t>
+            </a:r>
+            <a:r>
+              <a:rPr lang="en-US" altLang="zh-CN" dirty="0"/>
+              <a:t>(</a:t>
+            </a:r>
+            <a:r>
+              <a:rPr lang="en-US" altLang="zh-CN" dirty="0" err="1"/>
+              <a:t>Float.parseFloat</a:t>
+            </a:r>
+            <a:r>
+              <a:rPr lang="en-US" altLang="zh-CN" dirty="0"/>
+              <a:t>(</a:t>
+            </a:r>
+          </a:p>
+          <a:p>
+            <a:pPr marL="0" indent="0">
+              <a:buNone/>
+            </a:pPr>
+            <a:r>
+              <a:rPr lang="en-US" altLang="zh-CN" dirty="0"/>
+              <a:t>                    </a:t>
+            </a:r>
+            <a:r>
+              <a:rPr lang="en-US" altLang="zh-CN" dirty="0" err="1"/>
+              <a:t>productForm.getPrice</a:t>
+            </a:r>
+            <a:r>
+              <a:rPr lang="en-US" altLang="zh-CN" dirty="0"/>
+              <a:t>()));</a:t>
+            </a:r>
+          </a:p>
+          <a:p>
+            <a:pPr marL="0" indent="0">
+              <a:buNone/>
+            </a:pPr>
+            <a:r>
+              <a:rPr lang="en-US" altLang="zh-CN" dirty="0"/>
+              <a:t>        } catch (</a:t>
+            </a:r>
+            <a:r>
+              <a:rPr lang="en-US" altLang="zh-CN" dirty="0" err="1"/>
+              <a:t>NumberFormatException</a:t>
+            </a:r>
+            <a:r>
+              <a:rPr lang="en-US" altLang="zh-CN" dirty="0"/>
+              <a:t> e) {</a:t>
+            </a:r>
+          </a:p>
+          <a:p>
+            <a:pPr marL="0" indent="0">
+              <a:buNone/>
+            </a:pPr>
+            <a:r>
+              <a:rPr lang="en-US" altLang="zh-CN" dirty="0"/>
+              <a:t>        }</a:t>
+            </a:r>
+          </a:p>
+          <a:p>
+            <a:pPr marL="0" indent="0">
+              <a:buNone/>
+            </a:pPr>
+            <a:endParaRPr lang="en-US" altLang="zh-CN" dirty="0"/>
+          </a:p>
+          <a:p>
+            <a:pPr marL="0" indent="0">
+              <a:buNone/>
+            </a:pPr>
+            <a:r>
+              <a:rPr lang="en-US" altLang="zh-CN" dirty="0" smtClean="0"/>
+              <a:t>        </a:t>
+            </a:r>
+            <a:r>
+              <a:rPr lang="en-US" altLang="zh-CN" dirty="0" err="1"/>
+              <a:t>ModelAndView</a:t>
+            </a:r>
+            <a:r>
+              <a:rPr lang="en-US" altLang="zh-CN" dirty="0"/>
+              <a:t> mv = new </a:t>
+            </a:r>
+            <a:r>
+              <a:rPr lang="en-US" altLang="zh-CN" dirty="0" err="1"/>
+              <a:t>ModelAndView</a:t>
+            </a:r>
+            <a:r>
+              <a:rPr lang="en-US" altLang="zh-CN" dirty="0"/>
+              <a:t>("</a:t>
+            </a:r>
+            <a:r>
+              <a:rPr lang="en-US" altLang="zh-CN" dirty="0" err="1"/>
+              <a:t>ProductDetails</a:t>
+            </a:r>
+            <a:r>
+              <a:rPr lang="en-US" altLang="zh-CN" dirty="0" smtClean="0"/>
+              <a:t>",</a:t>
+            </a:r>
+          </a:p>
+          <a:p>
+            <a:pPr marL="0" indent="0">
+              <a:buNone/>
+            </a:pPr>
+            <a:r>
+              <a:rPr lang="en-US" altLang="zh-CN" dirty="0"/>
+              <a:t> </a:t>
+            </a:r>
+            <a:r>
+              <a:rPr lang="en-US" altLang="zh-CN" dirty="0" smtClean="0"/>
+              <a:t>              </a:t>
+            </a:r>
+            <a:r>
+              <a:rPr lang="en-US" altLang="zh-CN" dirty="0"/>
+              <a:t>"product", product);</a:t>
+            </a:r>
+          </a:p>
+          <a:p>
+            <a:pPr marL="0" indent="0">
+              <a:buNone/>
+            </a:pPr>
+            <a:r>
+              <a:rPr lang="en-US" altLang="zh-CN" dirty="0"/>
+              <a:t>        return mv</a:t>
+            </a:r>
+            <a:r>
+              <a:rPr lang="en-US" altLang="zh-CN" dirty="0" smtClean="0"/>
+              <a:t>;</a:t>
+            </a:r>
+          </a:p>
+          <a:p>
+            <a:pPr marL="0" indent="0">
+              <a:buNone/>
+            </a:pPr>
+            <a:r>
+              <a:rPr lang="en-US" altLang="zh-CN" dirty="0" smtClean="0"/>
+              <a:t>} </a:t>
+            </a:r>
+            <a:endParaRPr lang="zh-CN" altLang="en-US" dirty="0"/>
+          </a:p>
+          <a:p>
+            <a:pPr marL="0" indent="0">
+              <a:buNone/>
+            </a:pPr>
+            <a:endParaRPr lang="zh-CN" altLang="en-US" dirty="0"/>
+          </a:p>
+        </p:txBody>
+      </p:sp>
+    </p:spTree>
+    <p:extLst>
+      <p:ext uri="{BB962C8B-B14F-4D97-AF65-F5344CB8AC3E}">
+        <p14:creationId xmlns:p14="http://schemas.microsoft.com/office/powerpoint/2010/main" val="4191478418"/>
+      </p:ext>
+    </p:extLst>
+  </p:cSld>
+  <p:clrMapOvr>
+    <a:masterClrMapping/>
+  </p:clrMapOvr>
+</p:sld>
+</file>
+
+<file path=ppt/slides/slide14.xml><?xml version="1.0" encoding="utf-8"?>
+<p:sld xmlns:a="http://schemas.openxmlformats.org/drawingml/2006/main" xmlns:r="http://schemas.openxmlformats.org/officeDocument/2006/relationships" xmlns:p="http://schemas.openxmlformats.org/presentationml/2006/main">
+  <p:cSld>
+    <p:spTree>
+      <p:nvGrpSpPr>
+        <p:cNvPr id="1" name=""/>
+        <p:cNvGrpSpPr/>
+        <p:nvPr/>
+      </p:nvGrpSpPr>
+      <p:grpSpPr>
+        <a:xfrm>
+          <a:off x="0" y="0"/>
+          <a:ext cx="0" cy="0"/>
+          <a:chOff x="0" y="0"/>
+          <a:chExt cx="0" cy="0"/>
+        </a:xfrm>
+      </p:grpSpPr>
+      <p:sp>
+        <p:nvSpPr>
+          <p:cNvPr id="2" name="标题 1"/>
+          <p:cNvSpPr>
+            <a:spLocks noGrp="1"/>
+          </p:cNvSpPr>
+          <p:nvPr>
+            <p:ph type="title"/>
+          </p:nvPr>
+        </p:nvSpPr>
+        <p:spPr/>
+        <p:txBody>
+          <a:bodyPr>
+            <a:normAutofit fontScale="90000"/>
+          </a:bodyPr>
+          <a:lstStyle/>
+          <a:p>
+            <a:r>
+              <a:rPr lang="en-US" altLang="zh-CN" dirty="0" smtClean="0"/>
+              <a:t>@</a:t>
+            </a:r>
+            <a:r>
+              <a:rPr lang="en-US" altLang="zh-CN" dirty="0" err="1" smtClean="0"/>
+              <a:t>ModelAttribute</a:t>
+            </a:r>
+            <a:endParaRPr lang="zh-CN" altLang="en-US" dirty="0"/>
+          </a:p>
+        </p:txBody>
+      </p:sp>
+      <p:sp>
+        <p:nvSpPr>
+          <p:cNvPr id="3" name="内容占位符 2"/>
+          <p:cNvSpPr>
+            <a:spLocks noGrp="1"/>
+          </p:cNvSpPr>
+          <p:nvPr>
+            <p:ph idx="1"/>
+          </p:nvPr>
+        </p:nvSpPr>
+        <p:spPr>
+          <a:xfrm>
+            <a:off x="457200" y="1052736"/>
+            <a:ext cx="8229600" cy="5256584"/>
+          </a:xfrm>
+        </p:spPr>
+        <p:txBody>
+          <a:bodyPr>
+            <a:normAutofit fontScale="85000" lnSpcReduction="20000"/>
+          </a:bodyPr>
+          <a:lstStyle/>
+          <a:p>
+            <a:pPr marL="0" indent="0">
+              <a:buNone/>
+            </a:pPr>
+            <a:r>
+              <a:rPr lang="en-US" altLang="zh-CN" dirty="0"/>
+              <a:t>@</a:t>
+            </a:r>
+            <a:r>
+              <a:rPr lang="en-US" altLang="zh-CN" dirty="0" err="1"/>
+              <a:t>RequestMapping</a:t>
+            </a:r>
+            <a:r>
+              <a:rPr lang="en-US" altLang="zh-CN" dirty="0"/>
+              <a:t>(value = </a:t>
+            </a:r>
+            <a:r>
+              <a:rPr lang="en-US" altLang="zh-CN" dirty="0" smtClean="0"/>
+              <a:t>"/</a:t>
+            </a:r>
+            <a:r>
+              <a:rPr lang="en-US" altLang="zh-CN" dirty="0" err="1" smtClean="0"/>
+              <a:t>product_save</a:t>
+            </a:r>
+            <a:r>
+              <a:rPr lang="en-US" altLang="zh-CN" dirty="0" smtClean="0"/>
+              <a:t>", </a:t>
+            </a:r>
+          </a:p>
+          <a:p>
+            <a:pPr marL="0" indent="0">
+              <a:buNone/>
+            </a:pPr>
+            <a:r>
+              <a:rPr lang="en-US" altLang="zh-CN" dirty="0"/>
+              <a:t> </a:t>
+            </a:r>
+            <a:r>
+              <a:rPr lang="en-US" altLang="zh-CN" dirty="0" smtClean="0"/>
+              <a:t>                         method </a:t>
+            </a:r>
+            <a:r>
+              <a:rPr lang="en-US" altLang="zh-CN" dirty="0"/>
+              <a:t>= </a:t>
+            </a:r>
+            <a:r>
+              <a:rPr lang="en-US" altLang="zh-CN" dirty="0" err="1"/>
+              <a:t>RequestMethod.POST</a:t>
+            </a:r>
+            <a:r>
+              <a:rPr lang="en-US" altLang="zh-CN" dirty="0"/>
+              <a:t>)</a:t>
+            </a:r>
+          </a:p>
+          <a:p>
+            <a:pPr marL="0" indent="0">
+              <a:buNone/>
+            </a:pPr>
+            <a:r>
+              <a:rPr lang="en-US" altLang="zh-CN" dirty="0"/>
+              <a:t>    public String submit(</a:t>
+            </a:r>
+          </a:p>
+          <a:p>
+            <a:pPr marL="0" indent="0">
+              <a:buNone/>
+            </a:pPr>
+            <a:r>
+              <a:rPr lang="en-US" altLang="zh-CN" dirty="0"/>
+              <a:t>      @</a:t>
+            </a:r>
+            <a:r>
+              <a:rPr lang="en-US" altLang="zh-CN" dirty="0" err="1"/>
+              <a:t>ModelAttribute</a:t>
+            </a:r>
+            <a:r>
+              <a:rPr lang="en-US" altLang="zh-CN" dirty="0"/>
+              <a:t>("product") Product </a:t>
+            </a:r>
+            <a:r>
+              <a:rPr lang="en-US" altLang="zh-CN" dirty="0" err="1"/>
+              <a:t>product</a:t>
+            </a:r>
+            <a:r>
+              <a:rPr lang="en-US" altLang="zh-CN" dirty="0"/>
+              <a:t>,</a:t>
+            </a:r>
+          </a:p>
+          <a:p>
+            <a:pPr marL="0" indent="0">
+              <a:buNone/>
+            </a:pPr>
+            <a:r>
+              <a:rPr lang="en-US" altLang="zh-CN" dirty="0"/>
+              <a:t>      </a:t>
+            </a:r>
+            <a:r>
+              <a:rPr lang="en-US" altLang="zh-CN" dirty="0" err="1"/>
+              <a:t>BindingResult</a:t>
+            </a:r>
+            <a:r>
+              <a:rPr lang="en-US" altLang="zh-CN" dirty="0"/>
+              <a:t> result, </a:t>
+            </a:r>
+            <a:r>
+              <a:rPr lang="en-US" altLang="zh-CN" dirty="0" err="1"/>
+              <a:t>ModelMap</a:t>
+            </a:r>
+            <a:r>
+              <a:rPr lang="en-US" altLang="zh-CN" dirty="0"/>
+              <a:t> model) {</a:t>
+            </a:r>
+          </a:p>
+          <a:p>
+            <a:pPr marL="0" indent="0">
+              <a:buNone/>
+            </a:pPr>
+            <a:r>
+              <a:rPr lang="en-US" altLang="zh-CN" dirty="0"/>
+              <a:t>        if (</a:t>
+            </a:r>
+            <a:r>
+              <a:rPr lang="en-US" altLang="zh-CN" dirty="0" err="1"/>
+              <a:t>result.hasErrors</a:t>
+            </a:r>
+            <a:r>
+              <a:rPr lang="en-US" altLang="zh-CN" dirty="0"/>
+              <a:t>()) {</a:t>
+            </a:r>
+          </a:p>
+          <a:p>
+            <a:pPr marL="0" indent="0">
+              <a:buNone/>
+            </a:pPr>
+            <a:r>
+              <a:rPr lang="en-US" altLang="zh-CN" dirty="0"/>
+              <a:t>            return "error";</a:t>
+            </a:r>
+          </a:p>
+          <a:p>
+            <a:pPr marL="0" indent="0">
+              <a:buNone/>
+            </a:pPr>
+            <a:r>
+              <a:rPr lang="en-US" altLang="zh-CN" dirty="0"/>
+              <a:t>        }</a:t>
+            </a:r>
+          </a:p>
+          <a:p>
+            <a:pPr marL="0" indent="0">
+              <a:buNone/>
+            </a:pPr>
+            <a:r>
+              <a:rPr lang="en-US" altLang="zh-CN" dirty="0"/>
+              <a:t>   </a:t>
+            </a:r>
+          </a:p>
+          <a:p>
+            <a:pPr marL="0" indent="0">
+              <a:buNone/>
+            </a:pPr>
+            <a:r>
+              <a:rPr lang="en-US" altLang="zh-CN" dirty="0"/>
+              <a:t>        return </a:t>
+            </a:r>
+            <a:r>
+              <a:rPr lang="en-US" altLang="zh-CN" dirty="0" smtClean="0"/>
+              <a:t>"</a:t>
+            </a:r>
+            <a:r>
+              <a:rPr lang="en-US" altLang="zh-CN" dirty="0" err="1" smtClean="0"/>
+              <a:t>ProductDetails</a:t>
+            </a:r>
+            <a:r>
+              <a:rPr lang="en-US" altLang="zh-CN" dirty="0" smtClean="0"/>
+              <a:t>";</a:t>
+            </a:r>
+            <a:endParaRPr lang="en-US" altLang="zh-CN" dirty="0"/>
+          </a:p>
+          <a:p>
+            <a:pPr marL="0" indent="0">
+              <a:buNone/>
+            </a:pPr>
+            <a:r>
+              <a:rPr lang="en-US" altLang="zh-CN" dirty="0"/>
+              <a:t>    }</a:t>
+            </a:r>
+            <a:endParaRPr lang="zh-CN" altLang="en-US" dirty="0"/>
+          </a:p>
+        </p:txBody>
+      </p:sp>
+    </p:spTree>
+    <p:extLst>
+      <p:ext uri="{BB962C8B-B14F-4D97-AF65-F5344CB8AC3E}">
+        <p14:creationId xmlns:p14="http://schemas.microsoft.com/office/powerpoint/2010/main" val="1762147205"/>
+      </p:ext>
+    </p:extLst>
+  </p:cSld>
+  <p:clrMapOvr>
+    <a:masterClrMapping/>
+  </p:clrMapOvr>
+</p:sld>
+</file>
+
+<file path=ppt/slides/slide15.xml><?xml version="1.0" encoding="utf-8"?>
+<p:sld xmlns:a="http://schemas.openxmlformats.org/drawingml/2006/main" xmlns:r="http://schemas.openxmlformats.org/officeDocument/2006/relationships" xmlns:p="http://schemas.openxmlformats.org/presentationml/2006/main">
+  <p:cSld>
+    <p:spTree>
+      <p:nvGrpSpPr>
+        <p:cNvPr id="1" name=""/>
+        <p:cNvGrpSpPr/>
+        <p:nvPr/>
+      </p:nvGrpSpPr>
+      <p:grpSpPr>
+        <a:xfrm>
+          <a:off x="0" y="0"/>
+          <a:ext cx="0" cy="0"/>
+          <a:chOff x="0" y="0"/>
+          <a:chExt cx="0" cy="0"/>
+        </a:xfrm>
+      </p:grpSpPr>
+    </p:spTree>
+    <p:extLst>
+      <p:ext uri="{BB962C8B-B14F-4D97-AF65-F5344CB8AC3E}">
+        <p14:creationId xmlns:p14="http://schemas.microsoft.com/office/powerpoint/2010/main" val="3418871224"/>
       </p:ext>
     </p:extLst>
   </p:cSld>
@@ -40287,7 +41783,6 @@
               <a:rPr lang="zh-CN" altLang="en-US" dirty="0"/>
               <a:t>配置描述</a:t>
             </a:r>
-            <a:endParaRPr lang="zh-CN" altLang="en-US" dirty="0"/>
           </a:p>
         </p:txBody>
       </p:sp>
@@ -41112,11 +42607,7 @@
             <a:pPr lvl="1" eaLnBrk="1" hangingPunct="1"/>
             <a:r>
               <a:rPr lang="en-US" altLang="zh-CN" sz="2000" dirty="0" smtClean="0"/>
-              <a:t>@</a:t>
-            </a:r>
-            <a:r>
-              <a:rPr lang="en-US" altLang="zh-CN" sz="2000" dirty="0" smtClean="0"/>
-              <a:t>Repository</a:t>
+              <a:t>@Repository</a:t>
             </a:r>
           </a:p>
           <a:p>
@@ -41219,10 +42710,158 @@
           <a:chExt cx="0" cy="0"/>
         </a:xfrm>
       </p:grpSpPr>
+      <p:sp>
+        <p:nvSpPr>
+          <p:cNvPr id="2" name="标题 1"/>
+          <p:cNvSpPr>
+            <a:spLocks noGrp="1"/>
+          </p:cNvSpPr>
+          <p:nvPr>
+            <p:ph type="title"/>
+          </p:nvPr>
+        </p:nvSpPr>
+        <p:spPr/>
+        <p:txBody>
+          <a:bodyPr>
+            <a:normAutofit fontScale="90000"/>
+          </a:bodyPr>
+          <a:lstStyle/>
+          <a:p>
+            <a:r>
+              <a:rPr lang="zh-CN" altLang="en-US" dirty="0" smtClean="0"/>
+              <a:t>请求处理方法的参数</a:t>
+            </a:r>
+            <a:endParaRPr lang="zh-CN" altLang="en-US" dirty="0"/>
+          </a:p>
+        </p:txBody>
+      </p:sp>
+      <p:sp>
+        <p:nvSpPr>
+          <p:cNvPr id="3" name="内容占位符 2"/>
+          <p:cNvSpPr>
+            <a:spLocks noGrp="1"/>
+          </p:cNvSpPr>
+          <p:nvPr>
+            <p:ph idx="1"/>
+          </p:nvPr>
+        </p:nvSpPr>
+        <p:spPr>
+          <a:xfrm>
+            <a:off x="251520" y="1600200"/>
+            <a:ext cx="8435280" cy="4525963"/>
+          </a:xfrm>
+        </p:spPr>
+        <p:txBody>
+          <a:bodyPr>
+            <a:normAutofit fontScale="92500"/>
+          </a:bodyPr>
+          <a:lstStyle/>
+          <a:p>
+            <a:r>
+              <a:rPr lang="en-US" altLang="zh-CN" dirty="0" err="1" smtClean="0"/>
+              <a:t>HttpServletRequest</a:t>
+            </a:r>
+            <a:r>
+              <a:rPr lang="en-US" altLang="zh-CN" dirty="0" smtClean="0"/>
+              <a:t>, </a:t>
+            </a:r>
+            <a:r>
+              <a:rPr lang="en-US" altLang="zh-CN" dirty="0" err="1" smtClean="0"/>
+              <a:t>HttpServletResponse</a:t>
+            </a:r>
+            <a:endParaRPr lang="en-US" altLang="zh-CN" dirty="0" smtClean="0"/>
+          </a:p>
+          <a:p>
+            <a:r>
+              <a:rPr lang="en-US" altLang="zh-CN" dirty="0" err="1" smtClean="0"/>
+              <a:t>HttpSession</a:t>
+            </a:r>
+            <a:endParaRPr lang="en-US" altLang="zh-CN" dirty="0" smtClean="0"/>
+          </a:p>
+          <a:p>
+            <a:r>
+              <a:rPr lang="en-US" altLang="zh-CN" dirty="0" err="1" smtClean="0"/>
+              <a:t>InputStream</a:t>
+            </a:r>
+            <a:r>
+              <a:rPr lang="en-US" altLang="zh-CN" dirty="0" smtClean="0"/>
+              <a:t>, Reader</a:t>
+            </a:r>
+          </a:p>
+          <a:p>
+            <a:r>
+              <a:rPr lang="en-US" altLang="zh-CN" dirty="0" err="1" smtClean="0"/>
+              <a:t>OutputStream</a:t>
+            </a:r>
+            <a:r>
+              <a:rPr lang="en-US" altLang="zh-CN" dirty="0" smtClean="0"/>
+              <a:t>, Writer</a:t>
+            </a:r>
+          </a:p>
+          <a:p>
+            <a:r>
+              <a:rPr lang="en-US" altLang="zh-CN" dirty="0" smtClean="0"/>
+              <a:t>Model(Spring)</a:t>
+            </a:r>
+          </a:p>
+          <a:p>
+            <a:r>
+              <a:rPr lang="en-US" altLang="zh-CN" dirty="0" smtClean="0"/>
+              <a:t>@</a:t>
+            </a:r>
+            <a:r>
+              <a:rPr lang="en-US" altLang="zh-CN" dirty="0" err="1" smtClean="0"/>
+              <a:t>PathVariable</a:t>
+            </a:r>
+            <a:r>
+              <a:rPr lang="en-US" altLang="zh-CN" dirty="0" smtClean="0"/>
+              <a:t>, </a:t>
+            </a:r>
+          </a:p>
+          <a:p>
+            <a:r>
+              <a:rPr lang="en-US" altLang="zh-CN" dirty="0" smtClean="0"/>
+              <a:t>@</a:t>
+            </a:r>
+            <a:r>
+              <a:rPr lang="en-US" altLang="zh-CN" dirty="0" err="1" smtClean="0"/>
+              <a:t>RequestParam</a:t>
+            </a:r>
+            <a:r>
+              <a:rPr lang="en-US" altLang="zh-CN" dirty="0" smtClean="0"/>
+              <a:t>, @</a:t>
+            </a:r>
+            <a:r>
+              <a:rPr lang="en-US" altLang="zh-CN" dirty="0" err="1" smtClean="0"/>
+              <a:t>RequestHeader</a:t>
+            </a:r>
+            <a:endParaRPr lang="en-US" altLang="zh-CN" dirty="0" smtClean="0"/>
+          </a:p>
+          <a:p>
+            <a:r>
+              <a:rPr lang="en-US" altLang="zh-CN" dirty="0" smtClean="0"/>
+              <a:t>@</a:t>
+            </a:r>
+            <a:r>
+              <a:rPr lang="en-US" altLang="zh-CN" dirty="0" err="1" smtClean="0"/>
+              <a:t>RequestBody</a:t>
+            </a:r>
+            <a:r>
+              <a:rPr lang="en-US" altLang="zh-CN" dirty="0" smtClean="0"/>
+              <a:t>, @</a:t>
+            </a:r>
+            <a:r>
+              <a:rPr lang="en-US" altLang="zh-CN" dirty="0" err="1" smtClean="0"/>
+              <a:t>RequestParty</a:t>
+            </a:r>
+            <a:endParaRPr lang="zh-CN" altLang="en-US" dirty="0"/>
+          </a:p>
+        </p:txBody>
+      </p:sp>
     </p:spTree>
     <p:extLst>
       <p:ext uri="{BB962C8B-B14F-4D97-AF65-F5344CB8AC3E}">
-        <p14:creationId xmlns:p14="http://schemas.microsoft.com/office/powerpoint/2010/main" val="3418871224"/>
+        <p14:creationId xmlns:p14="http://schemas.microsoft.com/office/powerpoint/2010/main" val="2505805701"/>
       </p:ext>
     </p:extLst>
   </p:cSld>

--- a/spring/docs/08-spring-mvc.pptx
+++ b/spring/docs/08-spring-mvc.pptx
@@ -41007,13 +41007,13 @@
         </p:nvSpPr>
         <p:spPr>
           <a:xfrm>
-            <a:off x="457200" y="1052736"/>
-            <a:ext cx="8229600" cy="5256584"/>
+            <a:off x="251520" y="1052736"/>
+            <a:ext cx="8435280" cy="5256584"/>
           </a:xfrm>
         </p:spPr>
         <p:txBody>
           <a:bodyPr>
-            <a:normAutofit fontScale="85000" lnSpcReduction="20000"/>
+            <a:normAutofit fontScale="85000" lnSpcReduction="10000"/>
           </a:bodyPr>
           <a:lstStyle/>
           <a:p>

--- a/spring/docs/08-spring-mvc.pptx
+++ b/spring/docs/08-spring-mvc.pptx
@@ -6,7 +6,7 @@
     <p:sldMasterId id="2147483660" r:id="rId2"/>
   </p:sldMasterIdLst>
   <p:notesMasterIdLst>
-    <p:notesMasterId r:id="rId18"/>
+    <p:notesMasterId r:id="rId19"/>
   </p:notesMasterIdLst>
   <p:sldIdLst>
     <p:sldId id="256" r:id="rId3"/>
@@ -23,7 +23,8 @@
     <p:sldId id="272" r:id="rId14"/>
     <p:sldId id="274" r:id="rId15"/>
     <p:sldId id="273" r:id="rId16"/>
-    <p:sldId id="261" r:id="rId17"/>
+    <p:sldId id="275" r:id="rId17"/>
+    <p:sldId id="261" r:id="rId18"/>
   </p:sldIdLst>
   <p:sldSz cx="9144000" cy="6858000" type="screen4x3"/>
   <p:notesSz cx="6858000" cy="9144000"/>
@@ -207,7 +208,7 @@
           <a:p>
             <a:fld id="{D6CB015B-B7FF-4093-8E19-9AD7339689D2}" type="datetimeFigureOut">
               <a:rPr lang="zh-CN" altLang="en-US" smtClean="0"/>
-              <a:t>2017/12/22</a:t>
+              <a:t>2017/12/25</a:t>
             </a:fld>
             <a:endParaRPr lang="zh-CN" altLang="en-US"/>
           </a:p>
@@ -562,7 +563,7 @@
             <a:fld id="{96901A81-0F01-4EEE-B1B8-8AAFCC661EC4}" type="slidenum">
               <a:rPr lang="zh-CN" altLang="en-US" smtClean="0"/>
               <a:pPr/>
-              <a:t>15</a:t>
+              <a:t>16</a:t>
             </a:fld>
             <a:endParaRPr lang="zh-CN" altLang="en-US"/>
           </a:p>
@@ -2177,7 +2178,7 @@
             <a:fld id="{B35E7478-ADE7-4480-A214-01473DFE0029}" type="datetimeFigureOut">
               <a:rPr lang="zh-CN" altLang="en-US" smtClean="0"/>
               <a:pPr/>
-              <a:t>2017/12/22</a:t>
+              <a:t>2017/12/25</a:t>
             </a:fld>
             <a:endParaRPr lang="zh-CN" altLang="en-US"/>
           </a:p>
@@ -6042,7 +6043,7 @@
             <a:fld id="{B35E7478-ADE7-4480-A214-01473DFE0029}" type="datetimeFigureOut">
               <a:rPr lang="zh-CN" altLang="en-US" smtClean="0"/>
               <a:pPr/>
-              <a:t>2017/12/22</a:t>
+              <a:t>2017/12/25</a:t>
             </a:fld>
             <a:endParaRPr lang="zh-CN" altLang="en-US"/>
           </a:p>
@@ -7710,7 +7711,7 @@
             <a:fld id="{B35E7478-ADE7-4480-A214-01473DFE0029}" type="datetimeFigureOut">
               <a:rPr lang="zh-CN" altLang="en-US" smtClean="0"/>
               <a:pPr/>
-              <a:t>2017/12/22</a:t>
+              <a:t>2017/12/25</a:t>
             </a:fld>
             <a:endParaRPr lang="zh-CN" altLang="en-US"/>
           </a:p>
@@ -12014,7 +12015,7 @@
                 </a:solidFill>
               </a:rPr>
               <a:pPr/>
-              <a:t>2017/12/22</a:t>
+              <a:t>2017/12/25</a:t>
             </a:fld>
             <a:endParaRPr lang="zh-CN" altLang="en-US">
               <a:solidFill>
@@ -15932,7 +15933,7 @@
                 </a:solidFill>
               </a:rPr>
               <a:pPr/>
-              <a:t>2017/12/22</a:t>
+              <a:t>2017/12/25</a:t>
             </a:fld>
             <a:endParaRPr lang="zh-CN" altLang="en-US">
               <a:solidFill>
@@ -21783,7 +21784,7 @@
                 </a:solidFill>
               </a:rPr>
               <a:pPr/>
-              <a:t>2017/12/22</a:t>
+              <a:t>2017/12/25</a:t>
             </a:fld>
             <a:endParaRPr lang="zh-CN" altLang="en-US">
               <a:solidFill>
@@ -22373,7 +22374,7 @@
                 </a:solidFill>
               </a:rPr>
               <a:pPr/>
-              <a:t>2017/12/22</a:t>
+              <a:t>2017/12/25</a:t>
             </a:fld>
             <a:endParaRPr lang="zh-CN" altLang="en-US">
               <a:solidFill>
@@ -26077,7 +26078,7 @@
                 </a:solidFill>
               </a:rPr>
               <a:pPr/>
-              <a:t>2017/12/22</a:t>
+              <a:t>2017/12/25</a:t>
             </a:fld>
             <a:endParaRPr lang="zh-CN" altLang="en-US">
               <a:solidFill>
@@ -26211,7 +26212,7 @@
                 </a:solidFill>
               </a:rPr>
               <a:pPr/>
-              <a:t>2017/12/22</a:t>
+              <a:t>2017/12/25</a:t>
             </a:fld>
             <a:endParaRPr lang="zh-CN" altLang="en-US">
               <a:solidFill>
@@ -27040,7 +27041,7 @@
             <a:fld id="{B35E7478-ADE7-4480-A214-01473DFE0029}" type="datetimeFigureOut">
               <a:rPr lang="zh-CN" altLang="en-US" smtClean="0"/>
               <a:pPr/>
-              <a:t>2017/12/22</a:t>
+              <a:t>2017/12/25</a:t>
             </a:fld>
             <a:endParaRPr lang="zh-CN" altLang="en-US"/>
           </a:p>
@@ -32368,7 +32369,7 @@
             <a:fld id="{B35E7478-ADE7-4480-A214-01473DFE0029}" type="datetimeFigureOut">
               <a:rPr lang="zh-CN" altLang="en-US" smtClean="0"/>
               <a:pPr/>
-              <a:t>2017/12/22</a:t>
+              <a:t>2017/12/25</a:t>
             </a:fld>
             <a:endParaRPr lang="zh-CN" altLang="en-US"/>
           </a:p>
@@ -37722,7 +37723,7 @@
             <a:fld id="{B35E7478-ADE7-4480-A214-01473DFE0029}" type="datetimeFigureOut">
               <a:rPr lang="zh-CN" altLang="en-US" smtClean="0"/>
               <a:pPr/>
-              <a:t>2017/12/22</a:t>
+              <a:t>2017/12/25</a:t>
             </a:fld>
             <a:endParaRPr lang="zh-CN" altLang="en-US"/>
           </a:p>
@@ -37819,7 +37820,7 @@
             <a:fld id="{B35E7478-ADE7-4480-A214-01473DFE0029}" type="datetimeFigureOut">
               <a:rPr lang="zh-CN" altLang="en-US" smtClean="0"/>
               <a:pPr/>
-              <a:t>2017/12/22</a:t>
+              <a:t>2017/12/25</a:t>
             </a:fld>
             <a:endParaRPr lang="zh-CN" altLang="en-US"/>
           </a:p>
@@ -38105,7 +38106,7 @@
             <a:fld id="{B35E7478-ADE7-4480-A214-01473DFE0029}" type="datetimeFigureOut">
               <a:rPr lang="zh-CN" altLang="en-US" smtClean="0"/>
               <a:pPr/>
-              <a:t>2017/12/22</a:t>
+              <a:t>2017/12/25</a:t>
             </a:fld>
             <a:endParaRPr lang="zh-CN" altLang="en-US"/>
           </a:p>
@@ -38360,7 +38361,7 @@
             <a:fld id="{B35E7478-ADE7-4480-A214-01473DFE0029}" type="datetimeFigureOut">
               <a:rPr lang="zh-CN" altLang="en-US" smtClean="0"/>
               <a:pPr/>
-              <a:t>2017/12/22</a:t>
+              <a:t>2017/12/25</a:t>
             </a:fld>
             <a:endParaRPr lang="zh-CN" altLang="en-US"/>
           </a:p>
@@ -38532,7 +38533,7 @@
             <a:fld id="{B35E7478-ADE7-4480-A214-01473DFE0029}" type="datetimeFigureOut">
               <a:rPr lang="zh-CN" altLang="en-US" smtClean="0"/>
               <a:pPr/>
-              <a:t>2017/12/22</a:t>
+              <a:t>2017/12/25</a:t>
             </a:fld>
             <a:endParaRPr lang="zh-CN" altLang="en-US"/>
           </a:p>
@@ -38759,7 +38760,7 @@
             <a:fld id="{B35E7478-ADE7-4480-A214-01473DFE0029}" type="datetimeFigureOut">
               <a:rPr lang="zh-CN" altLang="en-US" smtClean="0"/>
               <a:pPr/>
-              <a:t>2017/12/22</a:t>
+              <a:t>2017/12/25</a:t>
             </a:fld>
             <a:endParaRPr lang="zh-CN" altLang="en-US"/>
           </a:p>
@@ -39295,7 +39296,7 @@
                 </a:solidFill>
               </a:rPr>
               <a:pPr/>
-              <a:t>2017/12/22</a:t>
+              <a:t>2017/12/25</a:t>
             </a:fld>
             <a:endParaRPr lang="zh-CN" altLang="en-US">
               <a:solidFill>
@@ -39995,6 +39996,13 @@
   <p:clrMapOvr>
     <a:masterClrMapping/>
   </p:clrMapOvr>
+  <p:timing>
+    <p:tnLst>
+      <p:par>
+        <p:cTn id="1" dur="indefinite" restart="never" nodeType="tmRoot"/>
+      </p:par>
+    </p:tnLst>
+  </p:timing>
 </p:sld>
 </file>
 
@@ -40390,6 +40398,13 @@
   <p:clrMapOvr>
     <a:masterClrMapping/>
   </p:clrMapOvr>
+  <p:timing>
+    <p:tnLst>
+      <p:par>
+        <p:cTn id="1" dur="indefinite" restart="never" nodeType="tmRoot"/>
+      </p:par>
+    </p:tnLst>
+  </p:timing>
 </p:sld>
 </file>
 
@@ -40582,6 +40597,13 @@
   <p:clrMapOvr>
     <a:masterClrMapping/>
   </p:clrMapOvr>
+  <p:timing>
+    <p:tnLst>
+      <p:par>
+        <p:cTn id="1" dur="indefinite" restart="never" nodeType="tmRoot"/>
+      </p:par>
+    </p:tnLst>
+  </p:timing>
 </p:sld>
 </file>
 
@@ -40946,6 +40968,13 @@
   <p:clrMapOvr>
     <a:masterClrMapping/>
   </p:clrMapOvr>
+  <p:timing>
+    <p:tnLst>
+      <p:par>
+        <p:cTn id="1" dur="indefinite" restart="never" nodeType="tmRoot"/>
+      </p:par>
+    </p:tnLst>
+  </p:timing>
 </p:sld>
 </file>
 
@@ -41217,10 +41246,91 @@
   <p:clrMapOvr>
     <a:masterClrMapping/>
   </p:clrMapOvr>
+  <p:timing>
+    <p:tnLst>
+      <p:par>
+        <p:cTn id="1" dur="indefinite" restart="never" nodeType="tmRoot"/>
+      </p:par>
+    </p:tnLst>
+  </p:timing>
 </p:sld>
 </file>
 
 <file path=ppt/slides/slide15.xml><?xml version="1.0" encoding="utf-8"?>
+<p:sld xmlns:a="http://schemas.openxmlformats.org/drawingml/2006/main" xmlns:r="http://schemas.openxmlformats.org/officeDocument/2006/relationships" xmlns:p="http://schemas.openxmlformats.org/presentationml/2006/main">
+  <p:cSld>
+    <p:spTree>
+      <p:nvGrpSpPr>
+        <p:cNvPr id="1" name=""/>
+        <p:cNvGrpSpPr/>
+        <p:nvPr/>
+      </p:nvGrpSpPr>
+      <p:grpSpPr>
+        <a:xfrm>
+          <a:off x="0" y="0"/>
+          <a:ext cx="0" cy="0"/>
+          <a:chOff x="0" y="0"/>
+          <a:chExt cx="0" cy="0"/>
+        </a:xfrm>
+      </p:grpSpPr>
+      <p:sp>
+        <p:nvSpPr>
+          <p:cNvPr id="2" name="标题 1"/>
+          <p:cNvSpPr>
+            <a:spLocks noGrp="1"/>
+          </p:cNvSpPr>
+          <p:nvPr>
+            <p:ph type="title"/>
+          </p:nvPr>
+        </p:nvSpPr>
+        <p:spPr/>
+        <p:txBody>
+          <a:bodyPr>
+            <a:normAutofit fontScale="90000"/>
+          </a:bodyPr>
+          <a:lstStyle/>
+          <a:p>
+            <a:r>
+              <a:rPr lang="zh-CN" altLang="en-US" dirty="0" smtClean="0"/>
+              <a:t>示例</a:t>
+            </a:r>
+            <a:endParaRPr lang="zh-CN" altLang="en-US" dirty="0"/>
+          </a:p>
+        </p:txBody>
+      </p:sp>
+      <p:sp>
+        <p:nvSpPr>
+          <p:cNvPr id="3" name="内容占位符 2"/>
+          <p:cNvSpPr>
+            <a:spLocks noGrp="1"/>
+          </p:cNvSpPr>
+          <p:nvPr>
+            <p:ph idx="1"/>
+          </p:nvPr>
+        </p:nvSpPr>
+        <p:spPr/>
+        <p:txBody>
+          <a:bodyPr/>
+          <a:lstStyle/>
+          <a:p>
+            <a:endParaRPr lang="zh-CN" altLang="en-US"/>
+          </a:p>
+        </p:txBody>
+      </p:sp>
+    </p:spTree>
+    <p:extLst>
+      <p:ext uri="{BB962C8B-B14F-4D97-AF65-F5344CB8AC3E}">
+        <p14:creationId xmlns:p14="http://schemas.microsoft.com/office/powerpoint/2010/main" val="1766561836"/>
+      </p:ext>
+    </p:extLst>
+  </p:cSld>
+  <p:clrMapOvr>
+    <a:masterClrMapping/>
+  </p:clrMapOvr>
+</p:sld>
+</file>
+
+<file path=ppt/slides/slide16.xml><?xml version="1.0" encoding="utf-8"?>
 <p:sld xmlns:a="http://schemas.openxmlformats.org/drawingml/2006/main" xmlns:r="http://schemas.openxmlformats.org/officeDocument/2006/relationships" xmlns:p="http://schemas.openxmlformats.org/presentationml/2006/main">
   <p:cSld>
     <p:spTree>

--- a/spring/docs/08-spring-mvc.pptx
+++ b/spring/docs/08-spring-mvc.pptx
@@ -208,7 +208,7 @@
           <a:p>
             <a:fld id="{D6CB015B-B7FF-4093-8E19-9AD7339689D2}" type="datetimeFigureOut">
               <a:rPr lang="zh-CN" altLang="en-US" smtClean="0"/>
-              <a:t>2017/12/25</a:t>
+              <a:t>2017/12/26</a:t>
             </a:fld>
             <a:endParaRPr lang="zh-CN" altLang="en-US"/>
           </a:p>
@@ -2178,7 +2178,7 @@
             <a:fld id="{B35E7478-ADE7-4480-A214-01473DFE0029}" type="datetimeFigureOut">
               <a:rPr lang="zh-CN" altLang="en-US" smtClean="0"/>
               <a:pPr/>
-              <a:t>2017/12/25</a:t>
+              <a:t>2017/12/26</a:t>
             </a:fld>
             <a:endParaRPr lang="zh-CN" altLang="en-US"/>
           </a:p>
@@ -6043,7 +6043,7 @@
             <a:fld id="{B35E7478-ADE7-4480-A214-01473DFE0029}" type="datetimeFigureOut">
               <a:rPr lang="zh-CN" altLang="en-US" smtClean="0"/>
               <a:pPr/>
-              <a:t>2017/12/25</a:t>
+              <a:t>2017/12/26</a:t>
             </a:fld>
             <a:endParaRPr lang="zh-CN" altLang="en-US"/>
           </a:p>
@@ -7711,7 +7711,7 @@
             <a:fld id="{B35E7478-ADE7-4480-A214-01473DFE0029}" type="datetimeFigureOut">
               <a:rPr lang="zh-CN" altLang="en-US" smtClean="0"/>
               <a:pPr/>
-              <a:t>2017/12/25</a:t>
+              <a:t>2017/12/26</a:t>
             </a:fld>
             <a:endParaRPr lang="zh-CN" altLang="en-US"/>
           </a:p>
@@ -12015,7 +12015,7 @@
                 </a:solidFill>
               </a:rPr>
               <a:pPr/>
-              <a:t>2017/12/25</a:t>
+              <a:t>2017/12/26</a:t>
             </a:fld>
             <a:endParaRPr lang="zh-CN" altLang="en-US">
               <a:solidFill>
@@ -15933,7 +15933,7 @@
                 </a:solidFill>
               </a:rPr>
               <a:pPr/>
-              <a:t>2017/12/25</a:t>
+              <a:t>2017/12/26</a:t>
             </a:fld>
             <a:endParaRPr lang="zh-CN" altLang="en-US">
               <a:solidFill>
@@ -21784,7 +21784,7 @@
                 </a:solidFill>
               </a:rPr>
               <a:pPr/>
-              <a:t>2017/12/25</a:t>
+              <a:t>2017/12/26</a:t>
             </a:fld>
             <a:endParaRPr lang="zh-CN" altLang="en-US">
               <a:solidFill>
@@ -22374,7 +22374,7 @@
                 </a:solidFill>
               </a:rPr>
               <a:pPr/>
-              <a:t>2017/12/25</a:t>
+              <a:t>2017/12/26</a:t>
             </a:fld>
             <a:endParaRPr lang="zh-CN" altLang="en-US">
               <a:solidFill>
@@ -26078,7 +26078,7 @@
                 </a:solidFill>
               </a:rPr>
               <a:pPr/>
-              <a:t>2017/12/25</a:t>
+              <a:t>2017/12/26</a:t>
             </a:fld>
             <a:endParaRPr lang="zh-CN" altLang="en-US">
               <a:solidFill>
@@ -26212,7 +26212,7 @@
                 </a:solidFill>
               </a:rPr>
               <a:pPr/>
-              <a:t>2017/12/25</a:t>
+              <a:t>2017/12/26</a:t>
             </a:fld>
             <a:endParaRPr lang="zh-CN" altLang="en-US">
               <a:solidFill>
@@ -27041,7 +27041,7 @@
             <a:fld id="{B35E7478-ADE7-4480-A214-01473DFE0029}" type="datetimeFigureOut">
               <a:rPr lang="zh-CN" altLang="en-US" smtClean="0"/>
               <a:pPr/>
-              <a:t>2017/12/25</a:t>
+              <a:t>2017/12/26</a:t>
             </a:fld>
             <a:endParaRPr lang="zh-CN" altLang="en-US"/>
           </a:p>
@@ -32369,7 +32369,7 @@
             <a:fld id="{B35E7478-ADE7-4480-A214-01473DFE0029}" type="datetimeFigureOut">
               <a:rPr lang="zh-CN" altLang="en-US" smtClean="0"/>
               <a:pPr/>
-              <a:t>2017/12/25</a:t>
+              <a:t>2017/12/26</a:t>
             </a:fld>
             <a:endParaRPr lang="zh-CN" altLang="en-US"/>
           </a:p>
@@ -37723,7 +37723,7 @@
             <a:fld id="{B35E7478-ADE7-4480-A214-01473DFE0029}" type="datetimeFigureOut">
               <a:rPr lang="zh-CN" altLang="en-US" smtClean="0"/>
               <a:pPr/>
-              <a:t>2017/12/25</a:t>
+              <a:t>2017/12/26</a:t>
             </a:fld>
             <a:endParaRPr lang="zh-CN" altLang="en-US"/>
           </a:p>
@@ -37820,7 +37820,7 @@
             <a:fld id="{B35E7478-ADE7-4480-A214-01473DFE0029}" type="datetimeFigureOut">
               <a:rPr lang="zh-CN" altLang="en-US" smtClean="0"/>
               <a:pPr/>
-              <a:t>2017/12/25</a:t>
+              <a:t>2017/12/26</a:t>
             </a:fld>
             <a:endParaRPr lang="zh-CN" altLang="en-US"/>
           </a:p>
@@ -38106,7 +38106,7 @@
             <a:fld id="{B35E7478-ADE7-4480-A214-01473DFE0029}" type="datetimeFigureOut">
               <a:rPr lang="zh-CN" altLang="en-US" smtClean="0"/>
               <a:pPr/>
-              <a:t>2017/12/25</a:t>
+              <a:t>2017/12/26</a:t>
             </a:fld>
             <a:endParaRPr lang="zh-CN" altLang="en-US"/>
           </a:p>
@@ -38361,7 +38361,7 @@
             <a:fld id="{B35E7478-ADE7-4480-A214-01473DFE0029}" type="datetimeFigureOut">
               <a:rPr lang="zh-CN" altLang="en-US" smtClean="0"/>
               <a:pPr/>
-              <a:t>2017/12/25</a:t>
+              <a:t>2017/12/26</a:t>
             </a:fld>
             <a:endParaRPr lang="zh-CN" altLang="en-US"/>
           </a:p>
@@ -38533,7 +38533,7 @@
             <a:fld id="{B35E7478-ADE7-4480-A214-01473DFE0029}" type="datetimeFigureOut">
               <a:rPr lang="zh-CN" altLang="en-US" smtClean="0"/>
               <a:pPr/>
-              <a:t>2017/12/25</a:t>
+              <a:t>2017/12/26</a:t>
             </a:fld>
             <a:endParaRPr lang="zh-CN" altLang="en-US"/>
           </a:p>
@@ -38760,7 +38760,7 @@
             <a:fld id="{B35E7478-ADE7-4480-A214-01473DFE0029}" type="datetimeFigureOut">
               <a:rPr lang="zh-CN" altLang="en-US" smtClean="0"/>
               <a:pPr/>
-              <a:t>2017/12/25</a:t>
+              <a:t>2017/12/26</a:t>
             </a:fld>
             <a:endParaRPr lang="zh-CN" altLang="en-US"/>
           </a:p>
@@ -39296,7 +39296,7 @@
                 </a:solidFill>
               </a:rPr>
               <a:pPr/>
-              <a:t>2017/12/25</a:t>
+              <a:t>2017/12/26</a:t>
             </a:fld>
             <a:endParaRPr lang="zh-CN" altLang="en-US">
               <a:solidFill>
@@ -40696,7 +40696,15 @@
             </a:pPr>
             <a:r>
               <a:rPr lang="en-US" altLang="zh-CN" dirty="0"/>
-              <a:t>    public String </a:t>
+              <a:t>    public </a:t>
+            </a:r>
+            <a:r>
+              <a:rPr lang="en-US" altLang="zh-CN" dirty="0" err="1"/>
+              <a:t>ModelAndView</a:t>
+            </a:r>
+            <a:r>
+              <a:rPr lang="en-US" altLang="zh-CN" dirty="0"/>
+              <a:t> </a:t>
             </a:r>
             <a:r>
               <a:rPr lang="en-US" altLang="zh-CN" dirty="0" err="1"/>
@@ -41042,7 +41050,7 @@
         </p:spPr>
         <p:txBody>
           <a:bodyPr>
-            <a:normAutofit fontScale="85000" lnSpcReduction="10000"/>
+            <a:normAutofit fontScale="85000" lnSpcReduction="20000"/>
           </a:bodyPr>
           <a:lstStyle/>
           <a:p>
@@ -41122,7 +41130,11 @@
             </a:r>
             <a:r>
               <a:rPr lang="en-US" altLang="zh-CN" dirty="0"/>
-              <a:t>("product") Product </a:t>
+              <a:t>("product") </a:t>
+            </a:r>
+            <a:r>
+              <a:rPr lang="en-US" altLang="zh-CN" smtClean="0"/>
+              <a:t>ProductForm </a:t>
             </a:r>
             <a:r>
               <a:rPr lang="en-US" altLang="zh-CN" dirty="0" err="1"/>
@@ -41327,6 +41339,13 @@
   <p:clrMapOvr>
     <a:masterClrMapping/>
   </p:clrMapOvr>
+  <p:timing>
+    <p:tnLst>
+      <p:par>
+        <p:cTn id="1" dur="indefinite" restart="never" nodeType="tmRoot"/>
+      </p:par>
+    </p:tnLst>
+  </p:timing>
 </p:sld>
 </file>
 
@@ -42694,8 +42713,8 @@
               <a:t>@</a:t>
             </a:r>
             <a:r>
-              <a:rPr lang="en-US" altLang="zh-CN" sz="2400" dirty="0" err="1" smtClean="0"/>
-              <a:t>Compoent</a:t>
+              <a:rPr lang="en-US" altLang="zh-CN" sz="2400" dirty="0" smtClean="0"/>
+              <a:t>Component</a:t>
             </a:r>
             <a:endParaRPr lang="en-US" altLang="zh-CN" sz="2400" dirty="0" smtClean="0"/>
           </a:p>
@@ -42962,7 +42981,7 @@
             </a:r>
             <a:r>
               <a:rPr lang="en-US" altLang="zh-CN" dirty="0" err="1" smtClean="0"/>
-              <a:t>RequestParty</a:t>
+              <a:t>RequestPart</a:t>
             </a:r>
             <a:endParaRPr lang="zh-CN" altLang="en-US" dirty="0"/>
           </a:p>
